--- a/docs/DBMS CDR@29Aug25 v1.1.pptx
+++ b/docs/DBMS CDR@29Aug25 v1.1.pptx
@@ -5,7 +5,7 @@
     <p:sldMasterId id="2147483648" r:id="rId4"/>
   </p:sldMasterIdLst>
   <p:notesMasterIdLst>
-    <p:notesMasterId r:id="rId50"/>
+    <p:notesMasterId r:id="rId54"/>
   </p:notesMasterIdLst>
   <p:sldIdLst>
     <p:sldId id="256" r:id="rId5"/>
@@ -52,7 +52,11 @@
     <p:sldId id="544" r:id="rId46"/>
     <p:sldId id="473" r:id="rId47"/>
     <p:sldId id="527" r:id="rId48"/>
-    <p:sldId id="415" r:id="rId49"/>
+    <p:sldId id="547" r:id="rId49"/>
+    <p:sldId id="548" r:id="rId50"/>
+    <p:sldId id="549" r:id="rId51"/>
+    <p:sldId id="550" r:id="rId52"/>
+    <p:sldId id="415" r:id="rId53"/>
   </p:sldIdLst>
   <p:sldSz cx="12192000" cy="6858000"/>
   <p:notesSz cx="6858000" cy="9144000"/>
@@ -241,7 +245,7 @@
           <a:p>
             <a:fld id="{7B01CEB5-3561-4C01-AAE0-3280B30A9761}" type="datetimeFigureOut">
               <a:rPr lang="en-SG" smtClean="0"/>
-              <a:t>1/9/2025</a:t>
+              <a:t>22/9/2025</a:t>
             </a:fld>
             <a:endParaRPr lang="en-SG"/>
           </a:p>
@@ -897,6 +901,90 @@
 </p:notes>
 </file>
 
+<file path=ppt/notesSlides/notesSlide13.xml><?xml version="1.0" encoding="utf-8"?>
+<p:notes xmlns:a="http://schemas.openxmlformats.org/drawingml/2006/main" xmlns:r="http://schemas.openxmlformats.org/officeDocument/2006/relationships" xmlns:p="http://schemas.openxmlformats.org/presentationml/2006/main">
+  <p:cSld>
+    <p:spTree>
+      <p:nvGrpSpPr>
+        <p:cNvPr id="1" name=""/>
+        <p:cNvGrpSpPr/>
+        <p:nvPr/>
+      </p:nvGrpSpPr>
+      <p:grpSpPr>
+        <a:xfrm>
+          <a:off x="0" y="0"/>
+          <a:ext cx="0" cy="0"/>
+          <a:chOff x="0" y="0"/>
+          <a:chExt cx="0" cy="0"/>
+        </a:xfrm>
+      </p:grpSpPr>
+      <p:sp>
+        <p:nvSpPr>
+          <p:cNvPr id="2" name="Slide Image Placeholder 1"/>
+          <p:cNvSpPr>
+            <a:spLocks noGrp="1" noRot="1" noChangeAspect="1"/>
+          </p:cNvSpPr>
+          <p:nvPr>
+            <p:ph type="sldImg"/>
+          </p:nvPr>
+        </p:nvSpPr>
+        <p:spPr/>
+      </p:sp>
+      <p:sp>
+        <p:nvSpPr>
+          <p:cNvPr id="3" name="Notes Placeholder 2"/>
+          <p:cNvSpPr>
+            <a:spLocks noGrp="1"/>
+          </p:cNvSpPr>
+          <p:nvPr>
+            <p:ph type="body" idx="1"/>
+          </p:nvPr>
+        </p:nvSpPr>
+        <p:spPr/>
+        <p:txBody>
+          <a:bodyPr/>
+          <a:lstStyle/>
+          <a:p>
+            <a:endParaRPr lang="en-US" dirty="0"/>
+          </a:p>
+        </p:txBody>
+      </p:sp>
+      <p:sp>
+        <p:nvSpPr>
+          <p:cNvPr id="4" name="Slide Number Placeholder 3"/>
+          <p:cNvSpPr>
+            <a:spLocks noGrp="1"/>
+          </p:cNvSpPr>
+          <p:nvPr>
+            <p:ph type="sldNum" sz="quarter" idx="5"/>
+          </p:nvPr>
+        </p:nvSpPr>
+        <p:spPr/>
+        <p:txBody>
+          <a:bodyPr/>
+          <a:lstStyle/>
+          <a:p>
+            <a:fld id="{B81666E2-0258-4AF6-B059-6673F343C6B0}" type="slidenum">
+              <a:rPr lang="en-SG" smtClean="0"/>
+              <a:t>45</a:t>
+            </a:fld>
+            <a:endParaRPr lang="en-SG"/>
+          </a:p>
+        </p:txBody>
+      </p:sp>
+    </p:spTree>
+    <p:extLst>
+      <p:ext uri="{BB962C8B-B14F-4D97-AF65-F5344CB8AC3E}">
+        <p14:creationId xmlns:p14="http://schemas.microsoft.com/office/powerpoint/2010/main" val="2265207245"/>
+      </p:ext>
+    </p:extLst>
+  </p:cSld>
+  <p:clrMapOvr>
+    <a:masterClrMapping/>
+  </p:clrMapOvr>
+</p:notes>
+</file>
+
 <file path=ppt/notesSlides/notesSlide2.xml><?xml version="1.0" encoding="utf-8"?>
 <p:notes xmlns:a="http://schemas.openxmlformats.org/drawingml/2006/main" xmlns:r="http://schemas.openxmlformats.org/officeDocument/2006/relationships" xmlns:p="http://schemas.openxmlformats.org/presentationml/2006/main">
   <p:cSld>
@@ -1921,7 +2009,7 @@
           <a:p>
             <a:fld id="{2E3E9BBE-B4A3-4906-AE0E-317AC22F7394}" type="datetimeFigureOut">
               <a:rPr lang="en-SG" smtClean="0"/>
-              <a:t>1/9/2025</a:t>
+              <a:t>22/9/2025</a:t>
             </a:fld>
             <a:endParaRPr lang="en-SG"/>
           </a:p>
@@ -2151,7 +2239,7 @@
           <a:p>
             <a:fld id="{2E3E9BBE-B4A3-4906-AE0E-317AC22F7394}" type="datetimeFigureOut">
               <a:rPr lang="en-SG" smtClean="0"/>
-              <a:t>1/9/2025</a:t>
+              <a:t>22/9/2025</a:t>
             </a:fld>
             <a:endParaRPr lang="en-SG"/>
           </a:p>
@@ -2361,7 +2449,7 @@
           <a:p>
             <a:fld id="{2E3E9BBE-B4A3-4906-AE0E-317AC22F7394}" type="datetimeFigureOut">
               <a:rPr lang="en-SG" smtClean="0"/>
-              <a:t>1/9/2025</a:t>
+              <a:t>22/9/2025</a:t>
             </a:fld>
             <a:endParaRPr lang="en-SG"/>
           </a:p>
@@ -2734,7 +2822,7 @@
           <a:p>
             <a:fld id="{2E3E9BBE-B4A3-4906-AE0E-317AC22F7394}" type="datetimeFigureOut">
               <a:rPr lang="en-SG" smtClean="0"/>
-              <a:t>1/9/2025</a:t>
+              <a:t>22/9/2025</a:t>
             </a:fld>
             <a:endParaRPr lang="en-SG" dirty="0"/>
           </a:p>
@@ -3047,7 +3135,7 @@
           <a:p>
             <a:fld id="{2E3E9BBE-B4A3-4906-AE0E-317AC22F7394}" type="datetimeFigureOut">
               <a:rPr lang="en-SG" smtClean="0"/>
-              <a:t>1/9/2025</a:t>
+              <a:t>22/9/2025</a:t>
             </a:fld>
             <a:endParaRPr lang="en-SG"/>
           </a:p>
@@ -3358,7 +3446,7 @@
           <a:p>
             <a:fld id="{2E3E9BBE-B4A3-4906-AE0E-317AC22F7394}" type="datetimeFigureOut">
               <a:rPr lang="en-SG" smtClean="0"/>
-              <a:t>1/9/2025</a:t>
+              <a:t>22/9/2025</a:t>
             </a:fld>
             <a:endParaRPr lang="en-SG"/>
           </a:p>
@@ -3814,7 +3902,7 @@
           <a:p>
             <a:fld id="{2E3E9BBE-B4A3-4906-AE0E-317AC22F7394}" type="datetimeFigureOut">
               <a:rPr lang="en-SG" smtClean="0"/>
-              <a:t>1/9/2025</a:t>
+              <a:t>22/9/2025</a:t>
             </a:fld>
             <a:endParaRPr lang="en-SG"/>
           </a:p>
@@ -3999,7 +4087,7 @@
           <a:p>
             <a:fld id="{2E3E9BBE-B4A3-4906-AE0E-317AC22F7394}" type="datetimeFigureOut">
               <a:rPr lang="en-SG" smtClean="0"/>
-              <a:t>1/9/2025</a:t>
+              <a:t>22/9/2025</a:t>
             </a:fld>
             <a:endParaRPr lang="en-SG"/>
           </a:p>
@@ -4142,7 +4230,7 @@
           <a:p>
             <a:fld id="{2E3E9BBE-B4A3-4906-AE0E-317AC22F7394}" type="datetimeFigureOut">
               <a:rPr lang="en-SG" smtClean="0"/>
-              <a:t>1/9/2025</a:t>
+              <a:t>22/9/2025</a:t>
             </a:fld>
             <a:endParaRPr lang="en-SG"/>
           </a:p>
@@ -4485,7 +4573,7 @@
           <a:p>
             <a:fld id="{2E3E9BBE-B4A3-4906-AE0E-317AC22F7394}" type="datetimeFigureOut">
               <a:rPr lang="en-SG" smtClean="0"/>
-              <a:t>1/9/2025</a:t>
+              <a:t>22/9/2025</a:t>
             </a:fld>
             <a:endParaRPr lang="en-SG"/>
           </a:p>
@@ -4774,7 +4862,7 @@
           <a:p>
             <a:fld id="{2E3E9BBE-B4A3-4906-AE0E-317AC22F7394}" type="datetimeFigureOut">
               <a:rPr lang="en-SG" smtClean="0"/>
-              <a:t>1/9/2025</a:t>
+              <a:t>22/9/2025</a:t>
             </a:fld>
             <a:endParaRPr lang="en-SG"/>
           </a:p>
@@ -5017,7 +5105,7 @@
           <a:p>
             <a:fld id="{2E3E9BBE-B4A3-4906-AE0E-317AC22F7394}" type="datetimeFigureOut">
               <a:rPr lang="en-SG" smtClean="0"/>
-              <a:t>1/9/2025</a:t>
+              <a:t>22/9/2025</a:t>
             </a:fld>
             <a:endParaRPr lang="en-SG"/>
           </a:p>
@@ -18494,6 +18582,45 @@
           <a:chExt cx="0" cy="0"/>
         </a:xfrm>
       </p:grpSpPr>
+      <p:pic>
+        <p:nvPicPr>
+          <p:cNvPr id="13" name="Picture 12" descr="An airplane on a runway at night&#10;&#10;AI-generated content may be incorrect.">
+            <a:extLst>
+              <a:ext uri="{FF2B5EF4-FFF2-40B4-BE49-F238E27FC236}">
+                <a16:creationId xmlns:a16="http://schemas.microsoft.com/office/drawing/2014/main" id="{0940E028-C56A-EF71-1F0C-4BEFF88A318A}"/>
+              </a:ext>
+            </a:extLst>
+          </p:cNvPr>
+          <p:cNvPicPr>
+            <a:picLocks noChangeAspect="1"/>
+          </p:cNvPicPr>
+          <p:nvPr/>
+        </p:nvPicPr>
+        <p:blipFill>
+          <a:blip r:embed="rId2">
+            <a:extLst>
+              <a:ext uri="{28A0092B-C50C-407E-A947-70E740481C1C}">
+                <a14:useLocalDpi xmlns:a14="http://schemas.microsoft.com/office/drawing/2010/main" val="0"/>
+              </a:ext>
+              <a:ext uri="{837473B0-CC2E-450A-ABE3-18F120FF3D39}">
+                <a1611:picAttrSrcUrl xmlns:a1611="http://schemas.microsoft.com/office/drawing/2016/11/main" r:id="rId3"/>
+              </a:ext>
+            </a:extLst>
+          </a:blip>
+          <a:stretch>
+            <a:fillRect/>
+          </a:stretch>
+        </p:blipFill>
+        <p:spPr>
+          <a:xfrm>
+            <a:off x="0" y="0"/>
+            <a:ext cx="12192000" cy="7620000"/>
+          </a:xfrm>
+          <a:prstGeom prst="rect">
+            <a:avLst/>
+          </a:prstGeom>
+        </p:spPr>
+      </p:pic>
       <p:sp>
         <p:nvSpPr>
           <p:cNvPr id="4" name="Title 3">
@@ -18516,8 +18643,15 @@
           <a:lstStyle/>
           <a:p>
             <a:r>
-              <a:rPr lang="en-SG" dirty="0"/>
-              <a:t>DBMS UI Demo</a:t>
+              <a:rPr lang="en-SG" dirty="0">
+                <a:solidFill>
+                  <a:schemeClr val="accent6">
+                    <a:lumMod val="60000"/>
+                    <a:lumOff val="40000"/>
+                  </a:schemeClr>
+                </a:solidFill>
+              </a:rPr>
+              <a:t>Technical Design</a:t>
             </a:r>
           </a:p>
         </p:txBody>
@@ -18543,7 +18677,7 @@
           <a:bodyPr/>
           <a:lstStyle/>
           <a:p>
-            <a:endParaRPr lang="en-SG"/>
+            <a:endParaRPr lang="en-SG" dirty="0"/>
           </a:p>
         </p:txBody>
       </p:sp>
@@ -18561,6 +18695,1809 @@
 </file>
 
 <file path=ppt/slides/slide45.xml><?xml version="1.0" encoding="utf-8"?>
+<p:sld xmlns:a="http://schemas.openxmlformats.org/drawingml/2006/main" xmlns:r="http://schemas.openxmlformats.org/officeDocument/2006/relationships" xmlns:p="http://schemas.openxmlformats.org/presentationml/2006/main">
+  <p:cSld>
+    <p:spTree>
+      <p:nvGrpSpPr>
+        <p:cNvPr id="1" name="">
+          <a:extLst>
+            <a:ext uri="{FF2B5EF4-FFF2-40B4-BE49-F238E27FC236}">
+              <a16:creationId xmlns:a16="http://schemas.microsoft.com/office/drawing/2014/main" id="{1E954AE4-3FF7-C18B-160A-E84D68A35D28}"/>
+            </a:ext>
+          </a:extLst>
+        </p:cNvPr>
+        <p:cNvGrpSpPr/>
+        <p:nvPr/>
+      </p:nvGrpSpPr>
+      <p:grpSpPr>
+        <a:xfrm>
+          <a:off x="0" y="0"/>
+          <a:ext cx="0" cy="0"/>
+          <a:chOff x="0" y="0"/>
+          <a:chExt cx="0" cy="0"/>
+        </a:xfrm>
+      </p:grpSpPr>
+      <p:sp>
+        <p:nvSpPr>
+          <p:cNvPr id="2" name="Title 1">
+            <a:extLst>
+              <a:ext uri="{FF2B5EF4-FFF2-40B4-BE49-F238E27FC236}">
+                <a16:creationId xmlns:a16="http://schemas.microsoft.com/office/drawing/2014/main" id="{035A848C-9D5D-2028-9339-D4910AA9BD5C}"/>
+              </a:ext>
+            </a:extLst>
+          </p:cNvPr>
+          <p:cNvSpPr>
+            <a:spLocks noGrp="1"/>
+          </p:cNvSpPr>
+          <p:nvPr>
+            <p:ph type="title"/>
+          </p:nvPr>
+        </p:nvSpPr>
+        <p:spPr/>
+        <p:txBody>
+          <a:bodyPr/>
+          <a:lstStyle/>
+          <a:p>
+            <a:r>
+              <a:rPr lang="en-SG" dirty="0"/>
+              <a:t>CDR&gt;RL&gt;CDR Return&gt;Alert&gt;Approve</a:t>
+            </a:r>
+          </a:p>
+        </p:txBody>
+      </p:sp>
+      <p:sp>
+        <p:nvSpPr>
+          <p:cNvPr id="8" name="Rectangle 7">
+            <a:extLst>
+              <a:ext uri="{FF2B5EF4-FFF2-40B4-BE49-F238E27FC236}">
+                <a16:creationId xmlns:a16="http://schemas.microsoft.com/office/drawing/2014/main" id="{1245DDD4-02F8-C323-E507-9510E1446F2A}"/>
+              </a:ext>
+            </a:extLst>
+          </p:cNvPr>
+          <p:cNvSpPr/>
+          <p:nvPr/>
+        </p:nvSpPr>
+        <p:spPr>
+          <a:xfrm>
+            <a:off x="449688" y="1290510"/>
+            <a:ext cx="3161763" cy="2651975"/>
+          </a:xfrm>
+          <a:prstGeom prst="rect">
+            <a:avLst/>
+          </a:prstGeom>
+        </p:spPr>
+        <p:style>
+          <a:lnRef idx="2">
+            <a:schemeClr val="accent1">
+              <a:shade val="15000"/>
+            </a:schemeClr>
+          </a:lnRef>
+          <a:fillRef idx="1">
+            <a:schemeClr val="accent1"/>
+          </a:fillRef>
+          <a:effectRef idx="0">
+            <a:schemeClr val="accent1"/>
+          </a:effectRef>
+          <a:fontRef idx="minor">
+            <a:schemeClr val="lt1"/>
+          </a:fontRef>
+        </p:style>
+        <p:txBody>
+          <a:bodyPr rtlCol="0" anchor="ctr"/>
+          <a:lstStyle/>
+          <a:p>
+            <a:r>
+              <a:rPr lang="en-US" sz="1400" b="1" u="sng" dirty="0"/>
+              <a:t>CDR Request Form</a:t>
+            </a:r>
+          </a:p>
+          <a:p>
+            <a:r>
+              <a:rPr lang="en-US" sz="1400" b="1" u="sng" dirty="0"/>
+              <a:t>[Active][Draft]</a:t>
+            </a:r>
+          </a:p>
+          <a:p>
+            <a:r>
+              <a:rPr lang="en-US" sz="1400" dirty="0"/>
+              <a:t>ID</a:t>
+            </a:r>
+          </a:p>
+          <a:p>
+            <a:r>
+              <a:rPr lang="en-US" sz="1400" dirty="0"/>
+              <a:t>*TOI     Fields   Telco</a:t>
+            </a:r>
+          </a:p>
+          <a:p>
+            <a:r>
+              <a:rPr lang="en-US" sz="1400" dirty="0"/>
+              <a:t>Period</a:t>
+            </a:r>
+          </a:p>
+          <a:p>
+            <a:r>
+              <a:rPr lang="en-US" sz="1400" dirty="0"/>
+              <a:t>Normal/Urgent</a:t>
+            </a:r>
+          </a:p>
+          <a:p>
+            <a:r>
+              <a:rPr lang="en-US" sz="1400" dirty="0"/>
+              <a:t>Normal to Urgent</a:t>
+            </a:r>
+          </a:p>
+          <a:p>
+            <a:r>
+              <a:rPr lang="en-US" sz="1400" dirty="0"/>
+              <a:t>Status: New | In-Progress | Completed</a:t>
+            </a:r>
+          </a:p>
+          <a:p>
+            <a:endParaRPr lang="en-US" sz="1400" dirty="0"/>
+          </a:p>
+          <a:p>
+            <a:endParaRPr lang="en-US" sz="1400" dirty="0"/>
+          </a:p>
+          <a:p>
+            <a:r>
+              <a:rPr lang="en-US" sz="1400" dirty="0"/>
+              <a:t>[Cancel][Save][Save as Draft][Confirm Urgent &amp; Generate]</a:t>
+            </a:r>
+          </a:p>
+        </p:txBody>
+      </p:sp>
+      <p:sp>
+        <p:nvSpPr>
+          <p:cNvPr id="9" name="Rectangle 8">
+            <a:extLst>
+              <a:ext uri="{FF2B5EF4-FFF2-40B4-BE49-F238E27FC236}">
+                <a16:creationId xmlns:a16="http://schemas.microsoft.com/office/drawing/2014/main" id="{F46D1AF9-CF5F-92D3-CA8E-E6BF8C61CC29}"/>
+              </a:ext>
+            </a:extLst>
+          </p:cNvPr>
+          <p:cNvSpPr/>
+          <p:nvPr/>
+        </p:nvSpPr>
+        <p:spPr>
+          <a:xfrm>
+            <a:off x="4658486" y="1290510"/>
+            <a:ext cx="2090448" cy="1568450"/>
+          </a:xfrm>
+          <a:prstGeom prst="rect">
+            <a:avLst/>
+          </a:prstGeom>
+          <a:solidFill>
+            <a:schemeClr val="tx2">
+              <a:lumMod val="75000"/>
+            </a:schemeClr>
+          </a:solidFill>
+        </p:spPr>
+        <p:style>
+          <a:lnRef idx="2">
+            <a:schemeClr val="accent1">
+              <a:shade val="15000"/>
+            </a:schemeClr>
+          </a:lnRef>
+          <a:fillRef idx="1">
+            <a:schemeClr val="accent1"/>
+          </a:fillRef>
+          <a:effectRef idx="0">
+            <a:schemeClr val="accent1"/>
+          </a:effectRef>
+          <a:fontRef idx="minor">
+            <a:schemeClr val="lt1"/>
+          </a:fontRef>
+        </p:style>
+        <p:txBody>
+          <a:bodyPr rtlCol="0" anchor="ctr"/>
+          <a:lstStyle/>
+          <a:p>
+            <a:pPr algn="ctr"/>
+            <a:r>
+              <a:rPr lang="en-US" sz="1400" b="1" u="sng" dirty="0"/>
+              <a:t>Urgent Routine List</a:t>
+            </a:r>
+          </a:p>
+          <a:p>
+            <a:pPr algn="ctr"/>
+            <a:r>
+              <a:rPr lang="en-US" sz="1400" dirty="0"/>
+              <a:t>*TOI </a:t>
+            </a:r>
+            <a:r>
+              <a:rPr lang="en-US" sz="1400" dirty="0" err="1"/>
+              <a:t>RequestID</a:t>
+            </a:r>
+            <a:r>
+              <a:rPr lang="en-US" sz="1400" dirty="0"/>
+              <a:t> Period Status</a:t>
+            </a:r>
+          </a:p>
+        </p:txBody>
+      </p:sp>
+      <p:cxnSp>
+        <p:nvCxnSpPr>
+          <p:cNvPr id="11" name="Connector: Elbow 10">
+            <a:extLst>
+              <a:ext uri="{FF2B5EF4-FFF2-40B4-BE49-F238E27FC236}">
+                <a16:creationId xmlns:a16="http://schemas.microsoft.com/office/drawing/2014/main" id="{E3F91845-4BE1-4110-D2F0-6F6B71AF115A}"/>
+              </a:ext>
+            </a:extLst>
+          </p:cNvPr>
+          <p:cNvCxnSpPr>
+            <a:cxnSpLocks/>
+            <a:stCxn id="8" idx="3"/>
+            <a:endCxn id="9" idx="1"/>
+          </p:cNvCxnSpPr>
+          <p:nvPr/>
+        </p:nvCxnSpPr>
+        <p:spPr>
+          <a:xfrm flipV="1">
+            <a:off x="3611451" y="2074735"/>
+            <a:ext cx="1047035" cy="541763"/>
+          </a:xfrm>
+          <a:prstGeom prst="bentConnector3">
+            <a:avLst>
+              <a:gd name="adj1" fmla="val 50000"/>
+            </a:avLst>
+          </a:prstGeom>
+          <a:ln>
+            <a:tailEnd type="triangle"/>
+          </a:ln>
+        </p:spPr>
+        <p:style>
+          <a:lnRef idx="1">
+            <a:schemeClr val="accent1"/>
+          </a:lnRef>
+          <a:fillRef idx="0">
+            <a:schemeClr val="accent1"/>
+          </a:fillRef>
+          <a:effectRef idx="0">
+            <a:schemeClr val="accent1"/>
+          </a:effectRef>
+          <a:fontRef idx="minor">
+            <a:schemeClr val="tx1"/>
+          </a:fontRef>
+        </p:style>
+      </p:cxnSp>
+      <p:sp>
+        <p:nvSpPr>
+          <p:cNvPr id="13" name="TextBox 12">
+            <a:extLst>
+              <a:ext uri="{FF2B5EF4-FFF2-40B4-BE49-F238E27FC236}">
+                <a16:creationId xmlns:a16="http://schemas.microsoft.com/office/drawing/2014/main" id="{6E24C38D-4022-7BB6-B730-79FA30E27107}"/>
+              </a:ext>
+            </a:extLst>
+          </p:cNvPr>
+          <p:cNvSpPr txBox="1"/>
+          <p:nvPr/>
+        </p:nvSpPr>
+        <p:spPr>
+          <a:xfrm rot="16200000">
+            <a:off x="3565876" y="2917900"/>
+            <a:ext cx="958850" cy="276999"/>
+          </a:xfrm>
+          <a:prstGeom prst="rect">
+            <a:avLst/>
+          </a:prstGeom>
+          <a:noFill/>
+        </p:spPr>
+        <p:txBody>
+          <a:bodyPr wrap="square" rtlCol="0">
+            <a:spAutoFit/>
+          </a:bodyPr>
+          <a:lstStyle/>
+          <a:p>
+            <a:r>
+              <a:rPr lang="en-US" sz="1200" dirty="0"/>
+              <a:t>Urgent?</a:t>
+            </a:r>
+          </a:p>
+        </p:txBody>
+      </p:sp>
+      <p:sp>
+        <p:nvSpPr>
+          <p:cNvPr id="14" name="Content Placeholder 13">
+            <a:extLst>
+              <a:ext uri="{FF2B5EF4-FFF2-40B4-BE49-F238E27FC236}">
+                <a16:creationId xmlns:a16="http://schemas.microsoft.com/office/drawing/2014/main" id="{FD01F6E5-FCFA-ADE7-54AD-FEDC8651E5B3}"/>
+              </a:ext>
+            </a:extLst>
+          </p:cNvPr>
+          <p:cNvSpPr>
+            <a:spLocks noGrp="1"/>
+          </p:cNvSpPr>
+          <p:nvPr>
+            <p:ph idx="1"/>
+          </p:nvPr>
+        </p:nvSpPr>
+        <p:spPr>
+          <a:xfrm>
+            <a:off x="9563636" y="1788221"/>
+            <a:ext cx="2474890" cy="1924787"/>
+          </a:xfrm>
+          <a:prstGeom prst="rect">
+            <a:avLst/>
+          </a:prstGeom>
+        </p:spPr>
+        <p:style>
+          <a:lnRef idx="2">
+            <a:schemeClr val="accent1">
+              <a:shade val="15000"/>
+            </a:schemeClr>
+          </a:lnRef>
+          <a:fillRef idx="1">
+            <a:schemeClr val="accent1"/>
+          </a:fillRef>
+          <a:effectRef idx="0">
+            <a:schemeClr val="accent1"/>
+          </a:effectRef>
+          <a:fontRef idx="minor">
+            <a:schemeClr val="lt1"/>
+          </a:fontRef>
+        </p:style>
+        <p:txBody>
+          <a:bodyPr rtlCol="0" anchor="ctr">
+            <a:normAutofit lnSpcReduction="10000"/>
+          </a:bodyPr>
+          <a:lstStyle/>
+          <a:p>
+            <a:pPr marL="0" indent="0">
+              <a:buNone/>
+            </a:pPr>
+            <a:r>
+              <a:rPr lang="en-US" sz="1400" b="1" u="sng" dirty="0"/>
+              <a:t>Routine List View</a:t>
+            </a:r>
+          </a:p>
+          <a:p>
+            <a:pPr marL="0" indent="0">
+              <a:buNone/>
+            </a:pPr>
+            <a:r>
+              <a:rPr lang="en-US" sz="1400" dirty="0"/>
+              <a:t>Filter</a:t>
+            </a:r>
+            <a:br>
+              <a:rPr lang="en-US" sz="1400" b="1" u="sng" dirty="0"/>
+            </a:br>
+            <a:r>
+              <a:rPr lang="en-US" sz="1400" dirty="0"/>
+              <a:t>*Request ID</a:t>
+            </a:r>
+            <a:br>
+              <a:rPr lang="en-US" sz="1400" b="1" dirty="0"/>
+            </a:br>
+            <a:r>
+              <a:rPr lang="en-US" sz="1400" b="1" dirty="0"/>
+              <a:t>   *</a:t>
+            </a:r>
+            <a:r>
+              <a:rPr lang="en-US" sz="1400" dirty="0"/>
+              <a:t>TOI Period Status</a:t>
+            </a:r>
+          </a:p>
+          <a:p>
+            <a:pPr marL="0" indent="0">
+              <a:buNone/>
+            </a:pPr>
+            <a:endParaRPr lang="en-US" sz="1400" b="1" dirty="0"/>
+          </a:p>
+          <a:p>
+            <a:pPr marL="0" indent="0">
+              <a:buNone/>
+            </a:pPr>
+            <a:endParaRPr lang="en-US" sz="1400" b="1" dirty="0"/>
+          </a:p>
+          <a:p>
+            <a:pPr marL="0" indent="0">
+              <a:buNone/>
+            </a:pPr>
+            <a:r>
+              <a:rPr lang="en-US" sz="1400" b="1" dirty="0"/>
+              <a:t>[Confirm]</a:t>
+            </a:r>
+          </a:p>
+        </p:txBody>
+      </p:sp>
+      <p:sp>
+        <p:nvSpPr>
+          <p:cNvPr id="16" name="Rectangle 15">
+            <a:extLst>
+              <a:ext uri="{FF2B5EF4-FFF2-40B4-BE49-F238E27FC236}">
+                <a16:creationId xmlns:a16="http://schemas.microsoft.com/office/drawing/2014/main" id="{FEA89559-6AFF-3D2D-1CC5-3FDF890B7969}"/>
+              </a:ext>
+            </a:extLst>
+          </p:cNvPr>
+          <p:cNvSpPr/>
+          <p:nvPr/>
+        </p:nvSpPr>
+        <p:spPr>
+          <a:xfrm>
+            <a:off x="6928834" y="1290510"/>
+            <a:ext cx="1817802" cy="1568450"/>
+          </a:xfrm>
+          <a:prstGeom prst="rect">
+            <a:avLst/>
+          </a:prstGeom>
+          <a:solidFill>
+            <a:schemeClr val="tx2">
+              <a:lumMod val="75000"/>
+            </a:schemeClr>
+          </a:solidFill>
+        </p:spPr>
+        <p:style>
+          <a:lnRef idx="2">
+            <a:schemeClr val="accent1">
+              <a:shade val="15000"/>
+            </a:schemeClr>
+          </a:lnRef>
+          <a:fillRef idx="1">
+            <a:schemeClr val="accent1"/>
+          </a:fillRef>
+          <a:effectRef idx="0">
+            <a:schemeClr val="accent1"/>
+          </a:effectRef>
+          <a:fontRef idx="minor">
+            <a:schemeClr val="lt1"/>
+          </a:fontRef>
+        </p:style>
+        <p:txBody>
+          <a:bodyPr rtlCol="0" anchor="ctr"/>
+          <a:lstStyle/>
+          <a:p>
+            <a:pPr algn="ctr"/>
+            <a:r>
+              <a:rPr lang="en-US" sz="1400" b="1" u="sng" dirty="0"/>
+              <a:t>Normal Routine List</a:t>
+            </a:r>
+          </a:p>
+          <a:p>
+            <a:pPr algn="ctr"/>
+            <a:r>
+              <a:rPr lang="en-US" sz="1400" dirty="0"/>
+              <a:t>*TOI </a:t>
+            </a:r>
+            <a:r>
+              <a:rPr lang="en-US" sz="1400" dirty="0" err="1"/>
+              <a:t>RequestID</a:t>
+            </a:r>
+            <a:r>
+              <a:rPr lang="en-US" sz="1400" dirty="0"/>
+              <a:t> Period Status</a:t>
+            </a:r>
+          </a:p>
+          <a:p>
+            <a:pPr algn="ctr"/>
+            <a:endParaRPr lang="en-US" sz="1400" b="1" u="sng" dirty="0"/>
+          </a:p>
+        </p:txBody>
+      </p:sp>
+      <p:cxnSp>
+        <p:nvCxnSpPr>
+          <p:cNvPr id="19" name="Connector: Elbow 18">
+            <a:extLst>
+              <a:ext uri="{FF2B5EF4-FFF2-40B4-BE49-F238E27FC236}">
+                <a16:creationId xmlns:a16="http://schemas.microsoft.com/office/drawing/2014/main" id="{AE7602C3-0F18-8B37-ED3E-ED819618790D}"/>
+              </a:ext>
+            </a:extLst>
+          </p:cNvPr>
+          <p:cNvCxnSpPr>
+            <a:cxnSpLocks/>
+            <a:stCxn id="14" idx="1"/>
+            <a:endCxn id="16" idx="3"/>
+          </p:cNvCxnSpPr>
+          <p:nvPr/>
+        </p:nvCxnSpPr>
+        <p:spPr>
+          <a:xfrm rot="10800000">
+            <a:off x="8746636" y="2074735"/>
+            <a:ext cx="817000" cy="675880"/>
+          </a:xfrm>
+          <a:prstGeom prst="bentConnector3">
+            <a:avLst/>
+          </a:prstGeom>
+          <a:ln>
+            <a:tailEnd type="triangle"/>
+          </a:ln>
+        </p:spPr>
+        <p:style>
+          <a:lnRef idx="1">
+            <a:schemeClr val="accent1"/>
+          </a:lnRef>
+          <a:fillRef idx="0">
+            <a:schemeClr val="accent1"/>
+          </a:fillRef>
+          <a:effectRef idx="0">
+            <a:schemeClr val="accent1"/>
+          </a:effectRef>
+          <a:fontRef idx="minor">
+            <a:schemeClr val="tx1"/>
+          </a:fontRef>
+        </p:style>
+      </p:cxnSp>
+      <p:sp>
+        <p:nvSpPr>
+          <p:cNvPr id="20" name="TextBox 19">
+            <a:extLst>
+              <a:ext uri="{FF2B5EF4-FFF2-40B4-BE49-F238E27FC236}">
+                <a16:creationId xmlns:a16="http://schemas.microsoft.com/office/drawing/2014/main" id="{28CB7529-085F-30C3-B509-A96592322C57}"/>
+              </a:ext>
+            </a:extLst>
+          </p:cNvPr>
+          <p:cNvSpPr txBox="1"/>
+          <p:nvPr/>
+        </p:nvSpPr>
+        <p:spPr>
+          <a:xfrm rot="16200000">
+            <a:off x="8561269" y="2274175"/>
+            <a:ext cx="958850" cy="276999"/>
+          </a:xfrm>
+          <a:prstGeom prst="rect">
+            <a:avLst/>
+          </a:prstGeom>
+          <a:noFill/>
+        </p:spPr>
+        <p:txBody>
+          <a:bodyPr wrap="square" rtlCol="0">
+            <a:spAutoFit/>
+          </a:bodyPr>
+          <a:lstStyle/>
+          <a:p>
+            <a:r>
+              <a:rPr lang="en-US" sz="1200" dirty="0"/>
+              <a:t>Generate</a:t>
+            </a:r>
+          </a:p>
+        </p:txBody>
+      </p:sp>
+      <p:cxnSp>
+        <p:nvCxnSpPr>
+          <p:cNvPr id="22" name="Connector: Elbow 21">
+            <a:extLst>
+              <a:ext uri="{FF2B5EF4-FFF2-40B4-BE49-F238E27FC236}">
+                <a16:creationId xmlns:a16="http://schemas.microsoft.com/office/drawing/2014/main" id="{9F1C6E93-C894-2BC4-D984-6A66D5BB59D4}"/>
+              </a:ext>
+            </a:extLst>
+          </p:cNvPr>
+          <p:cNvCxnSpPr>
+            <a:cxnSpLocks/>
+            <a:endCxn id="16" idx="2"/>
+          </p:cNvCxnSpPr>
+          <p:nvPr/>
+        </p:nvCxnSpPr>
+        <p:spPr>
+          <a:xfrm flipV="1">
+            <a:off x="3611451" y="2858960"/>
+            <a:ext cx="4226284" cy="839593"/>
+          </a:xfrm>
+          <a:prstGeom prst="bentConnector2">
+            <a:avLst/>
+          </a:prstGeom>
+          <a:ln>
+            <a:tailEnd type="triangle"/>
+          </a:ln>
+        </p:spPr>
+        <p:style>
+          <a:lnRef idx="1">
+            <a:schemeClr val="accent1"/>
+          </a:lnRef>
+          <a:fillRef idx="0">
+            <a:schemeClr val="accent1"/>
+          </a:fillRef>
+          <a:effectRef idx="0">
+            <a:schemeClr val="accent1"/>
+          </a:effectRef>
+          <a:fontRef idx="minor">
+            <a:schemeClr val="tx1"/>
+          </a:fontRef>
+        </p:style>
+      </p:cxnSp>
+      <p:sp>
+        <p:nvSpPr>
+          <p:cNvPr id="23" name="TextBox 22">
+            <a:extLst>
+              <a:ext uri="{FF2B5EF4-FFF2-40B4-BE49-F238E27FC236}">
+                <a16:creationId xmlns:a16="http://schemas.microsoft.com/office/drawing/2014/main" id="{40586B08-6DFB-E78B-B51C-170B784F98C0}"/>
+              </a:ext>
+            </a:extLst>
+          </p:cNvPr>
+          <p:cNvSpPr txBox="1"/>
+          <p:nvPr/>
+        </p:nvSpPr>
+        <p:spPr>
+          <a:xfrm>
+            <a:off x="5866328" y="3652700"/>
+            <a:ext cx="1529106" cy="276999"/>
+          </a:xfrm>
+          <a:prstGeom prst="rect">
+            <a:avLst/>
+          </a:prstGeom>
+          <a:noFill/>
+        </p:spPr>
+        <p:txBody>
+          <a:bodyPr wrap="square" rtlCol="0">
+            <a:spAutoFit/>
+          </a:bodyPr>
+          <a:lstStyle/>
+          <a:p>
+            <a:r>
+              <a:rPr lang="en-US" sz="1200" dirty="0"/>
+              <a:t>Normal to Urgent</a:t>
+            </a:r>
+          </a:p>
+        </p:txBody>
+      </p:sp>
+      <p:sp>
+        <p:nvSpPr>
+          <p:cNvPr id="29" name="Rectangle 28">
+            <a:extLst>
+              <a:ext uri="{FF2B5EF4-FFF2-40B4-BE49-F238E27FC236}">
+                <a16:creationId xmlns:a16="http://schemas.microsoft.com/office/drawing/2014/main" id="{63079566-AC06-FBE3-2772-9DF2251D33D7}"/>
+              </a:ext>
+            </a:extLst>
+          </p:cNvPr>
+          <p:cNvSpPr/>
+          <p:nvPr/>
+        </p:nvSpPr>
+        <p:spPr>
+          <a:xfrm>
+            <a:off x="9623156" y="4343004"/>
+            <a:ext cx="2355850" cy="1924787"/>
+          </a:xfrm>
+          <a:prstGeom prst="rect">
+            <a:avLst/>
+          </a:prstGeom>
+        </p:spPr>
+        <p:style>
+          <a:lnRef idx="2">
+            <a:schemeClr val="accent1">
+              <a:shade val="15000"/>
+            </a:schemeClr>
+          </a:lnRef>
+          <a:fillRef idx="1">
+            <a:schemeClr val="accent1"/>
+          </a:fillRef>
+          <a:effectRef idx="0">
+            <a:schemeClr val="accent1"/>
+          </a:effectRef>
+          <a:fontRef idx="minor">
+            <a:schemeClr val="lt1"/>
+          </a:fontRef>
+        </p:style>
+        <p:txBody>
+          <a:bodyPr rtlCol="0" anchor="ctr"/>
+          <a:lstStyle/>
+          <a:p>
+            <a:endParaRPr lang="en-US" sz="1600" u="sng" dirty="0"/>
+          </a:p>
+          <a:p>
+            <a:r>
+              <a:rPr lang="en-US" sz="1600" u="sng" dirty="0"/>
+              <a:t>CDR Return Zip File List</a:t>
+            </a:r>
+          </a:p>
+          <a:p>
+            <a:r>
+              <a:rPr lang="en-US" sz="1600" u="sng" dirty="0"/>
+              <a:t>[New][List]</a:t>
+            </a:r>
+          </a:p>
+          <a:p>
+            <a:r>
+              <a:rPr lang="en-US" sz="1600" dirty="0"/>
+              <a:t>Prompt Password</a:t>
+            </a:r>
+          </a:p>
+          <a:p>
+            <a:r>
+              <a:rPr lang="en-US" sz="1600" dirty="0"/>
+              <a:t>Processing in background</a:t>
+            </a:r>
+            <a:br>
+              <a:rPr lang="en-US" sz="1600" dirty="0"/>
+            </a:br>
+            <a:br>
+              <a:rPr lang="en-US" sz="1600" dirty="0"/>
+            </a:br>
+            <a:r>
+              <a:rPr lang="en-US" sz="1600" dirty="0"/>
+              <a:t>[Process] [Reupload]</a:t>
+            </a:r>
+          </a:p>
+        </p:txBody>
+      </p:sp>
+      <p:sp>
+        <p:nvSpPr>
+          <p:cNvPr id="30" name="Rectangle 29">
+            <a:extLst>
+              <a:ext uri="{FF2B5EF4-FFF2-40B4-BE49-F238E27FC236}">
+                <a16:creationId xmlns:a16="http://schemas.microsoft.com/office/drawing/2014/main" id="{C25C127C-1865-9252-5286-F587743EF3DF}"/>
+              </a:ext>
+            </a:extLst>
+          </p:cNvPr>
+          <p:cNvSpPr/>
+          <p:nvPr/>
+        </p:nvSpPr>
+        <p:spPr>
+          <a:xfrm>
+            <a:off x="5110093" y="5289549"/>
+            <a:ext cx="2160031" cy="1304434"/>
+          </a:xfrm>
+          <a:prstGeom prst="rect">
+            <a:avLst/>
+          </a:prstGeom>
+          <a:solidFill>
+            <a:schemeClr val="tx2">
+              <a:lumMod val="75000"/>
+            </a:schemeClr>
+          </a:solidFill>
+        </p:spPr>
+        <p:style>
+          <a:lnRef idx="2">
+            <a:schemeClr val="accent5">
+              <a:shade val="15000"/>
+            </a:schemeClr>
+          </a:lnRef>
+          <a:fillRef idx="1">
+            <a:schemeClr val="accent5"/>
+          </a:fillRef>
+          <a:effectRef idx="0">
+            <a:schemeClr val="accent5"/>
+          </a:effectRef>
+          <a:fontRef idx="minor">
+            <a:schemeClr val="lt1"/>
+          </a:fontRef>
+        </p:style>
+        <p:txBody>
+          <a:bodyPr rtlCol="0" anchor="ctr"/>
+          <a:lstStyle/>
+          <a:p>
+            <a:pPr algn="ctr"/>
+            <a:r>
+              <a:rPr lang="en-US" sz="1400" b="1" u="sng" dirty="0"/>
+              <a:t>Reports</a:t>
+            </a:r>
+          </a:p>
+          <a:p>
+            <a:pPr algn="ctr"/>
+            <a:r>
+              <a:rPr lang="en-US" sz="1400" dirty="0"/>
+              <a:t>Extra Fields</a:t>
+            </a:r>
+          </a:p>
+          <a:p>
+            <a:pPr algn="ctr"/>
+            <a:r>
+              <a:rPr lang="en-US" sz="1400" dirty="0"/>
+              <a:t>Status: Errors</a:t>
+            </a:r>
+          </a:p>
+          <a:p>
+            <a:pPr algn="ctr"/>
+            <a:r>
+              <a:rPr lang="en-US" sz="1400" dirty="0"/>
+              <a:t>Remarks</a:t>
+            </a:r>
+          </a:p>
+          <a:p>
+            <a:pPr algn="ctr"/>
+            <a:endParaRPr lang="en-US" sz="1400" dirty="0"/>
+          </a:p>
+          <a:p>
+            <a:pPr algn="ctr"/>
+            <a:r>
+              <a:rPr lang="en-US" sz="1400" dirty="0"/>
+              <a:t>[Escalate]</a:t>
+            </a:r>
+          </a:p>
+        </p:txBody>
+      </p:sp>
+      <p:cxnSp>
+        <p:nvCxnSpPr>
+          <p:cNvPr id="32" name="Straight Arrow Connector 31">
+            <a:extLst>
+              <a:ext uri="{FF2B5EF4-FFF2-40B4-BE49-F238E27FC236}">
+                <a16:creationId xmlns:a16="http://schemas.microsoft.com/office/drawing/2014/main" id="{71E73A06-E7EE-BFB4-3276-DAEB531BCAFC}"/>
+              </a:ext>
+            </a:extLst>
+          </p:cNvPr>
+          <p:cNvCxnSpPr>
+            <a:cxnSpLocks/>
+            <a:endCxn id="30" idx="3"/>
+          </p:cNvCxnSpPr>
+          <p:nvPr/>
+        </p:nvCxnSpPr>
+        <p:spPr>
+          <a:xfrm flipH="1">
+            <a:off x="7270124" y="5941766"/>
+            <a:ext cx="2353032" cy="0"/>
+          </a:xfrm>
+          <a:prstGeom prst="straightConnector1">
+            <a:avLst/>
+          </a:prstGeom>
+          <a:ln>
+            <a:tailEnd type="triangle"/>
+          </a:ln>
+        </p:spPr>
+        <p:style>
+          <a:lnRef idx="1">
+            <a:schemeClr val="accent2"/>
+          </a:lnRef>
+          <a:fillRef idx="0">
+            <a:schemeClr val="accent2"/>
+          </a:fillRef>
+          <a:effectRef idx="0">
+            <a:schemeClr val="accent2"/>
+          </a:effectRef>
+          <a:fontRef idx="minor">
+            <a:schemeClr val="tx1"/>
+          </a:fontRef>
+        </p:style>
+      </p:cxnSp>
+      <p:sp>
+        <p:nvSpPr>
+          <p:cNvPr id="37" name="TextBox 36">
+            <a:extLst>
+              <a:ext uri="{FF2B5EF4-FFF2-40B4-BE49-F238E27FC236}">
+                <a16:creationId xmlns:a16="http://schemas.microsoft.com/office/drawing/2014/main" id="{5E45D5E1-98DF-870B-064D-B3DF153E82F7}"/>
+              </a:ext>
+            </a:extLst>
+          </p:cNvPr>
+          <p:cNvSpPr txBox="1"/>
+          <p:nvPr/>
+        </p:nvSpPr>
+        <p:spPr>
+          <a:xfrm>
+            <a:off x="8081844" y="5466396"/>
+            <a:ext cx="958850" cy="276999"/>
+          </a:xfrm>
+          <a:prstGeom prst="rect">
+            <a:avLst/>
+          </a:prstGeom>
+          <a:noFill/>
+        </p:spPr>
+        <p:txBody>
+          <a:bodyPr wrap="square" rtlCol="0">
+            <a:spAutoFit/>
+          </a:bodyPr>
+          <a:lstStyle/>
+          <a:p>
+            <a:r>
+              <a:rPr lang="en-US" sz="1200" dirty="0"/>
+              <a:t>Generate</a:t>
+            </a:r>
+          </a:p>
+        </p:txBody>
+      </p:sp>
+      <p:cxnSp>
+        <p:nvCxnSpPr>
+          <p:cNvPr id="39" name="Connector: Elbow 38">
+            <a:extLst>
+              <a:ext uri="{FF2B5EF4-FFF2-40B4-BE49-F238E27FC236}">
+                <a16:creationId xmlns:a16="http://schemas.microsoft.com/office/drawing/2014/main" id="{2078556E-049F-6FB3-7A1A-8C43CC68AEE9}"/>
+              </a:ext>
+            </a:extLst>
+          </p:cNvPr>
+          <p:cNvCxnSpPr>
+            <a:cxnSpLocks/>
+            <a:stCxn id="29" idx="1"/>
+          </p:cNvCxnSpPr>
+          <p:nvPr/>
+        </p:nvCxnSpPr>
+        <p:spPr>
+          <a:xfrm flipH="1" flipV="1">
+            <a:off x="8222178" y="2871845"/>
+            <a:ext cx="1400978" cy="2433553"/>
+          </a:xfrm>
+          <a:prstGeom prst="straightConnector1">
+            <a:avLst/>
+          </a:prstGeom>
+          <a:ln>
+            <a:tailEnd type="triangle"/>
+          </a:ln>
+        </p:spPr>
+        <p:style>
+          <a:lnRef idx="1">
+            <a:schemeClr val="accent2"/>
+          </a:lnRef>
+          <a:fillRef idx="0">
+            <a:schemeClr val="accent2"/>
+          </a:fillRef>
+          <a:effectRef idx="0">
+            <a:schemeClr val="accent2"/>
+          </a:effectRef>
+          <a:fontRef idx="minor">
+            <a:schemeClr val="tx1"/>
+          </a:fontRef>
+        </p:style>
+      </p:cxnSp>
+      <p:sp>
+        <p:nvSpPr>
+          <p:cNvPr id="40" name="TextBox 39">
+            <a:extLst>
+              <a:ext uri="{FF2B5EF4-FFF2-40B4-BE49-F238E27FC236}">
+                <a16:creationId xmlns:a16="http://schemas.microsoft.com/office/drawing/2014/main" id="{5CC3842E-1AC6-7B0D-A142-7CD1A03615A2}"/>
+              </a:ext>
+            </a:extLst>
+          </p:cNvPr>
+          <p:cNvSpPr txBox="1"/>
+          <p:nvPr/>
+        </p:nvSpPr>
+        <p:spPr>
+          <a:xfrm>
+            <a:off x="8589345" y="4460550"/>
+            <a:ext cx="657686" cy="276999"/>
+          </a:xfrm>
+          <a:prstGeom prst="rect">
+            <a:avLst/>
+          </a:prstGeom>
+          <a:noFill/>
+        </p:spPr>
+        <p:txBody>
+          <a:bodyPr wrap="square" rtlCol="0">
+            <a:spAutoFit/>
+          </a:bodyPr>
+          <a:lstStyle/>
+          <a:p>
+            <a:r>
+              <a:rPr lang="en-US" sz="1200" dirty="0"/>
+              <a:t>Update</a:t>
+            </a:r>
+          </a:p>
+        </p:txBody>
+      </p:sp>
+      <p:cxnSp>
+        <p:nvCxnSpPr>
+          <p:cNvPr id="42" name="Connector: Elbow 41">
+            <a:extLst>
+              <a:ext uri="{FF2B5EF4-FFF2-40B4-BE49-F238E27FC236}">
+                <a16:creationId xmlns:a16="http://schemas.microsoft.com/office/drawing/2014/main" id="{5E5EBDE1-CC21-13CE-8E4B-AB015C618F01}"/>
+              </a:ext>
+            </a:extLst>
+          </p:cNvPr>
+          <p:cNvCxnSpPr>
+            <a:cxnSpLocks/>
+            <a:stCxn id="29" idx="1"/>
+            <a:endCxn id="9" idx="2"/>
+          </p:cNvCxnSpPr>
+          <p:nvPr/>
+        </p:nvCxnSpPr>
+        <p:spPr>
+          <a:xfrm flipH="1" flipV="1">
+            <a:off x="5703710" y="2858960"/>
+            <a:ext cx="3919446" cy="2446438"/>
+          </a:xfrm>
+          <a:prstGeom prst="straightConnector1">
+            <a:avLst/>
+          </a:prstGeom>
+          <a:ln>
+            <a:tailEnd type="triangle"/>
+          </a:ln>
+        </p:spPr>
+        <p:style>
+          <a:lnRef idx="1">
+            <a:schemeClr val="accent2"/>
+          </a:lnRef>
+          <a:fillRef idx="0">
+            <a:schemeClr val="accent2"/>
+          </a:fillRef>
+          <a:effectRef idx="0">
+            <a:schemeClr val="accent2"/>
+          </a:effectRef>
+          <a:fontRef idx="minor">
+            <a:schemeClr val="tx1"/>
+          </a:fontRef>
+        </p:style>
+      </p:cxnSp>
+      <p:sp>
+        <p:nvSpPr>
+          <p:cNvPr id="56" name="Rectangle 55">
+            <a:extLst>
+              <a:ext uri="{FF2B5EF4-FFF2-40B4-BE49-F238E27FC236}">
+                <a16:creationId xmlns:a16="http://schemas.microsoft.com/office/drawing/2014/main" id="{E05531E2-899D-4C35-F2A9-A627A6038139}"/>
+              </a:ext>
+            </a:extLst>
+          </p:cNvPr>
+          <p:cNvSpPr/>
+          <p:nvPr/>
+        </p:nvSpPr>
+        <p:spPr>
+          <a:xfrm>
+            <a:off x="2189408" y="5358147"/>
+            <a:ext cx="2405531" cy="1167237"/>
+          </a:xfrm>
+          <a:prstGeom prst="rect">
+            <a:avLst/>
+          </a:prstGeom>
+          <a:solidFill>
+            <a:schemeClr val="tx2">
+              <a:lumMod val="60000"/>
+              <a:lumOff val="40000"/>
+            </a:schemeClr>
+          </a:solidFill>
+        </p:spPr>
+        <p:style>
+          <a:lnRef idx="2">
+            <a:schemeClr val="accent5">
+              <a:shade val="15000"/>
+            </a:schemeClr>
+          </a:lnRef>
+          <a:fillRef idx="1">
+            <a:schemeClr val="accent5"/>
+          </a:fillRef>
+          <a:effectRef idx="0">
+            <a:schemeClr val="accent5"/>
+          </a:effectRef>
+          <a:fontRef idx="minor">
+            <a:schemeClr val="lt1"/>
+          </a:fontRef>
+        </p:style>
+        <p:txBody>
+          <a:bodyPr rtlCol="0" anchor="ctr"/>
+          <a:lstStyle/>
+          <a:p>
+            <a:pPr algn="ctr"/>
+            <a:r>
+              <a:rPr lang="en-US" sz="1400" b="1" u="sng" dirty="0"/>
+              <a:t>Designer’s Inbox</a:t>
+            </a:r>
+          </a:p>
+          <a:p>
+            <a:pPr algn="ctr"/>
+            <a:r>
+              <a:rPr lang="en-US" sz="1400" dirty="0"/>
+              <a:t>*Title Date </a:t>
+            </a:r>
+            <a:r>
+              <a:rPr lang="en-US" sz="1400" dirty="0" err="1"/>
+              <a:t>RequestID</a:t>
+            </a:r>
+            <a:r>
+              <a:rPr lang="en-US" sz="1400" dirty="0"/>
+              <a:t> Action</a:t>
+            </a:r>
+          </a:p>
+        </p:txBody>
+      </p:sp>
+      <p:cxnSp>
+        <p:nvCxnSpPr>
+          <p:cNvPr id="61" name="Straight Arrow Connector 60">
+            <a:extLst>
+              <a:ext uri="{FF2B5EF4-FFF2-40B4-BE49-F238E27FC236}">
+                <a16:creationId xmlns:a16="http://schemas.microsoft.com/office/drawing/2014/main" id="{EA556E27-F1ED-887D-9722-F38FDFA47034}"/>
+              </a:ext>
+            </a:extLst>
+          </p:cNvPr>
+          <p:cNvCxnSpPr>
+            <a:cxnSpLocks/>
+            <a:stCxn id="30" idx="1"/>
+            <a:endCxn id="56" idx="3"/>
+          </p:cNvCxnSpPr>
+          <p:nvPr/>
+        </p:nvCxnSpPr>
+        <p:spPr>
+          <a:xfrm flipH="1">
+            <a:off x="4594939" y="5941766"/>
+            <a:ext cx="515154" cy="0"/>
+          </a:xfrm>
+          <a:prstGeom prst="straightConnector1">
+            <a:avLst/>
+          </a:prstGeom>
+          <a:ln>
+            <a:tailEnd type="triangle"/>
+          </a:ln>
+        </p:spPr>
+        <p:style>
+          <a:lnRef idx="1">
+            <a:schemeClr val="accent2"/>
+          </a:lnRef>
+          <a:fillRef idx="0">
+            <a:schemeClr val="accent2"/>
+          </a:fillRef>
+          <a:effectRef idx="0">
+            <a:schemeClr val="accent2"/>
+          </a:effectRef>
+          <a:fontRef idx="minor">
+            <a:schemeClr val="tx1"/>
+          </a:fontRef>
+        </p:style>
+      </p:cxnSp>
+      <p:sp>
+        <p:nvSpPr>
+          <p:cNvPr id="64" name="Rectangle 63">
+            <a:extLst>
+              <a:ext uri="{FF2B5EF4-FFF2-40B4-BE49-F238E27FC236}">
+                <a16:creationId xmlns:a16="http://schemas.microsoft.com/office/drawing/2014/main" id="{E20ACED7-6B05-5767-DF55-E9599BEDF4B0}"/>
+              </a:ext>
+            </a:extLst>
+          </p:cNvPr>
+          <p:cNvSpPr/>
+          <p:nvPr/>
+        </p:nvSpPr>
+        <p:spPr>
+          <a:xfrm>
+            <a:off x="2189407" y="4038059"/>
+            <a:ext cx="2405531" cy="1167237"/>
+          </a:xfrm>
+          <a:prstGeom prst="rect">
+            <a:avLst/>
+          </a:prstGeom>
+          <a:solidFill>
+            <a:schemeClr val="tx2">
+              <a:lumMod val="60000"/>
+              <a:lumOff val="40000"/>
+            </a:schemeClr>
+          </a:solidFill>
+        </p:spPr>
+        <p:style>
+          <a:lnRef idx="2">
+            <a:schemeClr val="accent5">
+              <a:shade val="15000"/>
+            </a:schemeClr>
+          </a:lnRef>
+          <a:fillRef idx="1">
+            <a:schemeClr val="accent5"/>
+          </a:fillRef>
+          <a:effectRef idx="0">
+            <a:schemeClr val="accent5"/>
+          </a:effectRef>
+          <a:fontRef idx="minor">
+            <a:schemeClr val="lt1"/>
+          </a:fontRef>
+        </p:style>
+        <p:txBody>
+          <a:bodyPr rtlCol="0" anchor="ctr"/>
+          <a:lstStyle/>
+          <a:p>
+            <a:pPr algn="ctr"/>
+            <a:r>
+              <a:rPr lang="en-US" sz="1400" b="1" u="sng" dirty="0"/>
+              <a:t>User’s Inbox</a:t>
+            </a:r>
+          </a:p>
+          <a:p>
+            <a:pPr algn="ctr"/>
+            <a:r>
+              <a:rPr lang="en-US" sz="1400" dirty="0"/>
+              <a:t>*Title Date Message Action</a:t>
+            </a:r>
+          </a:p>
+        </p:txBody>
+      </p:sp>
+      <p:cxnSp>
+        <p:nvCxnSpPr>
+          <p:cNvPr id="66" name="Straight Arrow Connector 65">
+            <a:extLst>
+              <a:ext uri="{FF2B5EF4-FFF2-40B4-BE49-F238E27FC236}">
+                <a16:creationId xmlns:a16="http://schemas.microsoft.com/office/drawing/2014/main" id="{0317F060-1703-7A90-04FF-B4E1F098A759}"/>
+              </a:ext>
+            </a:extLst>
+          </p:cNvPr>
+          <p:cNvCxnSpPr>
+            <a:stCxn id="29" idx="1"/>
+            <a:endCxn id="64" idx="3"/>
+          </p:cNvCxnSpPr>
+          <p:nvPr/>
+        </p:nvCxnSpPr>
+        <p:spPr>
+          <a:xfrm flipH="1" flipV="1">
+            <a:off x="4594938" y="4621678"/>
+            <a:ext cx="5028218" cy="683720"/>
+          </a:xfrm>
+          <a:prstGeom prst="straightConnector1">
+            <a:avLst/>
+          </a:prstGeom>
+          <a:ln>
+            <a:tailEnd type="triangle"/>
+          </a:ln>
+        </p:spPr>
+        <p:style>
+          <a:lnRef idx="1">
+            <a:schemeClr val="accent2"/>
+          </a:lnRef>
+          <a:fillRef idx="0">
+            <a:schemeClr val="accent2"/>
+          </a:fillRef>
+          <a:effectRef idx="0">
+            <a:schemeClr val="accent2"/>
+          </a:effectRef>
+          <a:fontRef idx="minor">
+            <a:schemeClr val="tx1"/>
+          </a:fontRef>
+        </p:style>
+      </p:cxnSp>
+      <p:sp>
+        <p:nvSpPr>
+          <p:cNvPr id="67" name="TextBox 66">
+            <a:extLst>
+              <a:ext uri="{FF2B5EF4-FFF2-40B4-BE49-F238E27FC236}">
+                <a16:creationId xmlns:a16="http://schemas.microsoft.com/office/drawing/2014/main" id="{93788ADF-7B3C-720B-8628-B5394A0DDD3E}"/>
+              </a:ext>
+            </a:extLst>
+          </p:cNvPr>
+          <p:cNvSpPr txBox="1"/>
+          <p:nvPr/>
+        </p:nvSpPr>
+        <p:spPr>
+          <a:xfrm rot="413354">
+            <a:off x="6321838" y="4668619"/>
+            <a:ext cx="1071659" cy="276999"/>
+          </a:xfrm>
+          <a:prstGeom prst="rect">
+            <a:avLst/>
+          </a:prstGeom>
+          <a:noFill/>
+        </p:spPr>
+        <p:txBody>
+          <a:bodyPr wrap="square" rtlCol="0">
+            <a:spAutoFit/>
+          </a:bodyPr>
+          <a:lstStyle/>
+          <a:p>
+            <a:r>
+              <a:rPr lang="en-US" sz="1200" dirty="0"/>
+              <a:t>Notification</a:t>
+            </a:r>
+          </a:p>
+        </p:txBody>
+      </p:sp>
+      <p:sp>
+        <p:nvSpPr>
+          <p:cNvPr id="68" name="TextBox 67">
+            <a:extLst>
+              <a:ext uri="{FF2B5EF4-FFF2-40B4-BE49-F238E27FC236}">
+                <a16:creationId xmlns:a16="http://schemas.microsoft.com/office/drawing/2014/main" id="{0305D32A-3006-277C-CB77-580159AC882D}"/>
+              </a:ext>
+            </a:extLst>
+          </p:cNvPr>
+          <p:cNvSpPr txBox="1"/>
+          <p:nvPr/>
+        </p:nvSpPr>
+        <p:spPr>
+          <a:xfrm>
+            <a:off x="4607682" y="5734667"/>
+            <a:ext cx="502412" cy="276999"/>
+          </a:xfrm>
+          <a:prstGeom prst="rect">
+            <a:avLst/>
+          </a:prstGeom>
+          <a:noFill/>
+        </p:spPr>
+        <p:txBody>
+          <a:bodyPr wrap="square" rtlCol="0">
+            <a:spAutoFit/>
+          </a:bodyPr>
+          <a:lstStyle/>
+          <a:p>
+            <a:r>
+              <a:rPr lang="en-US" sz="1200" dirty="0"/>
+              <a:t>Alert</a:t>
+            </a:r>
+          </a:p>
+        </p:txBody>
+      </p:sp>
+      <p:sp>
+        <p:nvSpPr>
+          <p:cNvPr id="69" name="Rectangle 68">
+            <a:extLst>
+              <a:ext uri="{FF2B5EF4-FFF2-40B4-BE49-F238E27FC236}">
+                <a16:creationId xmlns:a16="http://schemas.microsoft.com/office/drawing/2014/main" id="{02E9D63F-9292-8CDC-C1DF-4FFFCEF8E4ED}"/>
+              </a:ext>
+            </a:extLst>
+          </p:cNvPr>
+          <p:cNvSpPr/>
+          <p:nvPr/>
+        </p:nvSpPr>
+        <p:spPr>
+          <a:xfrm>
+            <a:off x="155642" y="5428518"/>
+            <a:ext cx="1714500" cy="1026493"/>
+          </a:xfrm>
+          <a:prstGeom prst="rect">
+            <a:avLst/>
+          </a:prstGeom>
+        </p:spPr>
+        <p:style>
+          <a:lnRef idx="2">
+            <a:schemeClr val="accent1">
+              <a:shade val="15000"/>
+            </a:schemeClr>
+          </a:lnRef>
+          <a:fillRef idx="1">
+            <a:schemeClr val="accent1"/>
+          </a:fillRef>
+          <a:effectRef idx="0">
+            <a:schemeClr val="accent1"/>
+          </a:effectRef>
+          <a:fontRef idx="minor">
+            <a:schemeClr val="lt1"/>
+          </a:fontRef>
+        </p:style>
+        <p:txBody>
+          <a:bodyPr rtlCol="0" anchor="ctr"/>
+          <a:lstStyle/>
+          <a:p>
+            <a:pPr algn="ctr"/>
+            <a:r>
+              <a:rPr lang="en-US" sz="1400" dirty="0"/>
+              <a:t>Approval of Extra Field</a:t>
+            </a:r>
+          </a:p>
+        </p:txBody>
+      </p:sp>
+      <p:cxnSp>
+        <p:nvCxnSpPr>
+          <p:cNvPr id="71" name="Straight Arrow Connector 70">
+            <a:extLst>
+              <a:ext uri="{FF2B5EF4-FFF2-40B4-BE49-F238E27FC236}">
+                <a16:creationId xmlns:a16="http://schemas.microsoft.com/office/drawing/2014/main" id="{A895CF35-1BF9-DC18-C7F0-61837147F9A7}"/>
+              </a:ext>
+            </a:extLst>
+          </p:cNvPr>
+          <p:cNvCxnSpPr>
+            <a:stCxn id="56" idx="1"/>
+            <a:endCxn id="69" idx="3"/>
+          </p:cNvCxnSpPr>
+          <p:nvPr/>
+        </p:nvCxnSpPr>
+        <p:spPr>
+          <a:xfrm flipH="1" flipV="1">
+            <a:off x="1870142" y="5941765"/>
+            <a:ext cx="319266" cy="1"/>
+          </a:xfrm>
+          <a:prstGeom prst="straightConnector1">
+            <a:avLst/>
+          </a:prstGeom>
+          <a:ln>
+            <a:tailEnd type="triangle"/>
+          </a:ln>
+        </p:spPr>
+        <p:style>
+          <a:lnRef idx="1">
+            <a:schemeClr val="accent2"/>
+          </a:lnRef>
+          <a:fillRef idx="0">
+            <a:schemeClr val="accent2"/>
+          </a:fillRef>
+          <a:effectRef idx="0">
+            <a:schemeClr val="accent2"/>
+          </a:effectRef>
+          <a:fontRef idx="minor">
+            <a:schemeClr val="tx1"/>
+          </a:fontRef>
+        </p:style>
+      </p:cxnSp>
+      <p:sp>
+        <p:nvSpPr>
+          <p:cNvPr id="73" name="TextBox 72">
+            <a:extLst>
+              <a:ext uri="{FF2B5EF4-FFF2-40B4-BE49-F238E27FC236}">
+                <a16:creationId xmlns:a16="http://schemas.microsoft.com/office/drawing/2014/main" id="{9EB7271A-2BFE-9D15-FF4A-4E69908EE6CF}"/>
+              </a:ext>
+            </a:extLst>
+          </p:cNvPr>
+          <p:cNvSpPr txBox="1"/>
+          <p:nvPr/>
+        </p:nvSpPr>
+        <p:spPr>
+          <a:xfrm>
+            <a:off x="2546632" y="1041659"/>
+            <a:ext cx="1064819" cy="276999"/>
+          </a:xfrm>
+          <a:prstGeom prst="rect">
+            <a:avLst/>
+          </a:prstGeom>
+          <a:noFill/>
+        </p:spPr>
+        <p:txBody>
+          <a:bodyPr wrap="square" rtlCol="0">
+            <a:spAutoFit/>
+          </a:bodyPr>
+          <a:lstStyle/>
+          <a:p>
+            <a:r>
+              <a:rPr lang="en-US" sz="1200" dirty="0"/>
+              <a:t>Autosave 10s</a:t>
+            </a:r>
+          </a:p>
+        </p:txBody>
+      </p:sp>
+      <p:sp>
+        <p:nvSpPr>
+          <p:cNvPr id="74" name="Rectangle 73">
+            <a:extLst>
+              <a:ext uri="{FF2B5EF4-FFF2-40B4-BE49-F238E27FC236}">
+                <a16:creationId xmlns:a16="http://schemas.microsoft.com/office/drawing/2014/main" id="{F6D68149-51DC-82F6-A181-E81BD495C9A9}"/>
+              </a:ext>
+            </a:extLst>
+          </p:cNvPr>
+          <p:cNvSpPr/>
+          <p:nvPr/>
+        </p:nvSpPr>
+        <p:spPr>
+          <a:xfrm>
+            <a:off x="129392" y="4137069"/>
+            <a:ext cx="1714500" cy="1026493"/>
+          </a:xfrm>
+          <a:prstGeom prst="rect">
+            <a:avLst/>
+          </a:prstGeom>
+        </p:spPr>
+        <p:style>
+          <a:lnRef idx="2">
+            <a:schemeClr val="accent1">
+              <a:shade val="15000"/>
+            </a:schemeClr>
+          </a:lnRef>
+          <a:fillRef idx="1">
+            <a:schemeClr val="accent1"/>
+          </a:fillRef>
+          <a:effectRef idx="0">
+            <a:schemeClr val="accent1"/>
+          </a:effectRef>
+          <a:fontRef idx="minor">
+            <a:schemeClr val="lt1"/>
+          </a:fontRef>
+        </p:style>
+        <p:txBody>
+          <a:bodyPr rtlCol="0" anchor="ctr"/>
+          <a:lstStyle/>
+          <a:p>
+            <a:pPr algn="ctr"/>
+            <a:r>
+              <a:rPr lang="en-US" sz="1400" b="1" u="sng" dirty="0"/>
+              <a:t>Audit Logs</a:t>
+            </a:r>
+          </a:p>
+          <a:p>
+            <a:pPr algn="ctr"/>
+            <a:r>
+              <a:rPr lang="en-US" sz="1400" dirty="0"/>
+              <a:t>Date action </a:t>
+            </a:r>
+            <a:r>
+              <a:rPr lang="en-US" sz="1400" dirty="0" err="1"/>
+              <a:t>userid</a:t>
+            </a:r>
+            <a:r>
+              <a:rPr lang="en-US" sz="1400" dirty="0"/>
+              <a:t> details category</a:t>
+            </a:r>
+          </a:p>
+        </p:txBody>
+      </p:sp>
+    </p:spTree>
+    <p:extLst>
+      <p:ext uri="{BB962C8B-B14F-4D97-AF65-F5344CB8AC3E}">
+        <p14:creationId xmlns:p14="http://schemas.microsoft.com/office/powerpoint/2010/main" val="725920097"/>
+      </p:ext>
+    </p:extLst>
+  </p:cSld>
+  <p:clrMapOvr>
+    <a:masterClrMapping/>
+  </p:clrMapOvr>
+</p:sld>
+</file>
+
+<file path=ppt/slides/slide46.xml><?xml version="1.0" encoding="utf-8"?>
+<p:sld xmlns:a="http://schemas.openxmlformats.org/drawingml/2006/main" xmlns:r="http://schemas.openxmlformats.org/officeDocument/2006/relationships" xmlns:p="http://schemas.openxmlformats.org/presentationml/2006/main">
+  <p:cSld>
+    <p:spTree>
+      <p:nvGrpSpPr>
+        <p:cNvPr id="1" name=""/>
+        <p:cNvGrpSpPr/>
+        <p:nvPr/>
+      </p:nvGrpSpPr>
+      <p:grpSpPr>
+        <a:xfrm>
+          <a:off x="0" y="0"/>
+          <a:ext cx="0" cy="0"/>
+          <a:chOff x="0" y="0"/>
+          <a:chExt cx="0" cy="0"/>
+        </a:xfrm>
+      </p:grpSpPr>
+      <p:sp>
+        <p:nvSpPr>
+          <p:cNvPr id="2" name="Title 1">
+            <a:extLst>
+              <a:ext uri="{FF2B5EF4-FFF2-40B4-BE49-F238E27FC236}">
+                <a16:creationId xmlns:a16="http://schemas.microsoft.com/office/drawing/2014/main" id="{C1C80B06-37FE-2F0D-BC25-32C4F02E13AE}"/>
+              </a:ext>
+            </a:extLst>
+          </p:cNvPr>
+          <p:cNvSpPr>
+            <a:spLocks noGrp="1"/>
+          </p:cNvSpPr>
+          <p:nvPr>
+            <p:ph type="title"/>
+          </p:nvPr>
+        </p:nvSpPr>
+        <p:spPr/>
+        <p:txBody>
+          <a:bodyPr/>
+          <a:lstStyle/>
+          <a:p>
+            <a:r>
+              <a:rPr lang="en-US" dirty="0"/>
+              <a:t>Designer – Base Table List</a:t>
+            </a:r>
+          </a:p>
+        </p:txBody>
+      </p:sp>
+      <p:sp>
+        <p:nvSpPr>
+          <p:cNvPr id="3" name="Content Placeholder 2">
+            <a:extLst>
+              <a:ext uri="{FF2B5EF4-FFF2-40B4-BE49-F238E27FC236}">
+                <a16:creationId xmlns:a16="http://schemas.microsoft.com/office/drawing/2014/main" id="{5CE713E2-BEBA-2280-B2D3-856EE21343DC}"/>
+              </a:ext>
+            </a:extLst>
+          </p:cNvPr>
+          <p:cNvSpPr>
+            <a:spLocks noGrp="1"/>
+          </p:cNvSpPr>
+          <p:nvPr>
+            <p:ph idx="1"/>
+          </p:nvPr>
+        </p:nvSpPr>
+        <p:spPr/>
+        <p:txBody>
+          <a:bodyPr/>
+          <a:lstStyle/>
+          <a:p>
+            <a:r>
+              <a:rPr lang="en-US" dirty="0"/>
+              <a:t>Requestors</a:t>
+            </a:r>
+          </a:p>
+          <a:p>
+            <a:r>
+              <a:rPr lang="en-US" dirty="0"/>
+              <a:t>Telcos</a:t>
+            </a:r>
+          </a:p>
+          <a:p>
+            <a:endParaRPr lang="en-US" dirty="0"/>
+          </a:p>
+        </p:txBody>
+      </p:sp>
+    </p:spTree>
+    <p:extLst>
+      <p:ext uri="{BB962C8B-B14F-4D97-AF65-F5344CB8AC3E}">
+        <p14:creationId xmlns:p14="http://schemas.microsoft.com/office/powerpoint/2010/main" val="2788471153"/>
+      </p:ext>
+    </p:extLst>
+  </p:cSld>
+  <p:clrMapOvr>
+    <a:masterClrMapping/>
+  </p:clrMapOvr>
+</p:sld>
+</file>
+
+<file path=ppt/slides/slide47.xml><?xml version="1.0" encoding="utf-8"?>
+<p:sld xmlns:a="http://schemas.openxmlformats.org/drawingml/2006/main" xmlns:r="http://schemas.openxmlformats.org/officeDocument/2006/relationships" xmlns:p="http://schemas.openxmlformats.org/presentationml/2006/main">
+  <p:cSld>
+    <p:spTree>
+      <p:nvGrpSpPr>
+        <p:cNvPr id="1" name=""/>
+        <p:cNvGrpSpPr/>
+        <p:nvPr/>
+      </p:nvGrpSpPr>
+      <p:grpSpPr>
+        <a:xfrm>
+          <a:off x="0" y="0"/>
+          <a:ext cx="0" cy="0"/>
+          <a:chOff x="0" y="0"/>
+          <a:chExt cx="0" cy="0"/>
+        </a:xfrm>
+      </p:grpSpPr>
+      <p:sp>
+        <p:nvSpPr>
+          <p:cNvPr id="2" name="Title 1">
+            <a:extLst>
+              <a:ext uri="{FF2B5EF4-FFF2-40B4-BE49-F238E27FC236}">
+                <a16:creationId xmlns:a16="http://schemas.microsoft.com/office/drawing/2014/main" id="{DB6000D4-A512-98BE-D863-FFE1CAF1BAFF}"/>
+              </a:ext>
+            </a:extLst>
+          </p:cNvPr>
+          <p:cNvSpPr>
+            <a:spLocks noGrp="1"/>
+          </p:cNvSpPr>
+          <p:nvPr>
+            <p:ph type="title"/>
+          </p:nvPr>
+        </p:nvSpPr>
+        <p:spPr/>
+        <p:txBody>
+          <a:bodyPr/>
+          <a:lstStyle/>
+          <a:p>
+            <a:r>
+              <a:rPr lang="en-US" dirty="0"/>
+              <a:t>Admin Portal</a:t>
+            </a:r>
+          </a:p>
+        </p:txBody>
+      </p:sp>
+      <p:sp>
+        <p:nvSpPr>
+          <p:cNvPr id="3" name="Content Placeholder 2">
+            <a:extLst>
+              <a:ext uri="{FF2B5EF4-FFF2-40B4-BE49-F238E27FC236}">
+                <a16:creationId xmlns:a16="http://schemas.microsoft.com/office/drawing/2014/main" id="{669D4A36-1462-054A-CDD3-693E03C4EE17}"/>
+              </a:ext>
+            </a:extLst>
+          </p:cNvPr>
+          <p:cNvSpPr>
+            <a:spLocks noGrp="1"/>
+          </p:cNvSpPr>
+          <p:nvPr>
+            <p:ph idx="1"/>
+          </p:nvPr>
+        </p:nvSpPr>
+        <p:spPr/>
+        <p:txBody>
+          <a:bodyPr/>
+          <a:lstStyle/>
+          <a:p>
+            <a:r>
+              <a:rPr lang="en-US" dirty="0"/>
+              <a:t>CRUD of users</a:t>
+            </a:r>
+          </a:p>
+          <a:p>
+            <a:r>
+              <a:rPr lang="en-US" dirty="0"/>
+              <a:t>CRUD of departments</a:t>
+            </a:r>
+          </a:p>
+          <a:p>
+            <a:r>
+              <a:rPr lang="en-US" dirty="0"/>
+              <a:t>CRUD of realm roles</a:t>
+            </a:r>
+          </a:p>
+          <a:p>
+            <a:r>
+              <a:rPr lang="en-US" dirty="0"/>
+              <a:t>Configuration of Password Policy</a:t>
+            </a:r>
+          </a:p>
+          <a:p>
+            <a:pPr marL="0" indent="0">
+              <a:buNone/>
+            </a:pPr>
+            <a:r>
+              <a:rPr lang="en-US" dirty="0"/>
+              <a:t>- 3 months mandatory change</a:t>
+            </a:r>
+          </a:p>
+          <a:p>
+            <a:pPr>
+              <a:buFontTx/>
+              <a:buChar char="-"/>
+            </a:pPr>
+            <a:r>
+              <a:rPr lang="en-US" dirty="0"/>
+              <a:t>Password characters</a:t>
+            </a:r>
+          </a:p>
+          <a:p>
+            <a:r>
+              <a:rPr lang="en-US" dirty="0"/>
+              <a:t>Archival Settings</a:t>
+            </a:r>
+          </a:p>
+          <a:p>
+            <a:pPr marL="0" indent="0">
+              <a:buNone/>
+            </a:pPr>
+            <a:endParaRPr lang="en-US" dirty="0"/>
+          </a:p>
+        </p:txBody>
+      </p:sp>
+    </p:spTree>
+    <p:extLst>
+      <p:ext uri="{BB962C8B-B14F-4D97-AF65-F5344CB8AC3E}">
+        <p14:creationId xmlns:p14="http://schemas.microsoft.com/office/powerpoint/2010/main" val="2673415394"/>
+      </p:ext>
+    </p:extLst>
+  </p:cSld>
+  <p:clrMapOvr>
+    <a:masterClrMapping/>
+  </p:clrMapOvr>
+</p:sld>
+</file>
+
+<file path=ppt/slides/slide48.xml><?xml version="1.0" encoding="utf-8"?>
+<p:sld xmlns:a="http://schemas.openxmlformats.org/drawingml/2006/main" xmlns:r="http://schemas.openxmlformats.org/officeDocument/2006/relationships" xmlns:p="http://schemas.openxmlformats.org/presentationml/2006/main">
+  <p:cSld>
+    <p:spTree>
+      <p:nvGrpSpPr>
+        <p:cNvPr id="1" name=""/>
+        <p:cNvGrpSpPr/>
+        <p:nvPr/>
+      </p:nvGrpSpPr>
+      <p:grpSpPr>
+        <a:xfrm>
+          <a:off x="0" y="0"/>
+          <a:ext cx="0" cy="0"/>
+          <a:chOff x="0" y="0"/>
+          <a:chExt cx="0" cy="0"/>
+        </a:xfrm>
+      </p:grpSpPr>
+      <p:sp>
+        <p:nvSpPr>
+          <p:cNvPr id="2" name="Title 1">
+            <a:extLst>
+              <a:ext uri="{FF2B5EF4-FFF2-40B4-BE49-F238E27FC236}">
+                <a16:creationId xmlns:a16="http://schemas.microsoft.com/office/drawing/2014/main" id="{0B89AA24-15D4-0E4C-98F6-9459E7D24940}"/>
+              </a:ext>
+            </a:extLst>
+          </p:cNvPr>
+          <p:cNvSpPr>
+            <a:spLocks noGrp="1"/>
+          </p:cNvSpPr>
+          <p:nvPr>
+            <p:ph type="title"/>
+          </p:nvPr>
+        </p:nvSpPr>
+        <p:spPr/>
+        <p:txBody>
+          <a:bodyPr/>
+          <a:lstStyle/>
+          <a:p>
+            <a:r>
+              <a:rPr lang="en-US" dirty="0"/>
+              <a:t>Questions</a:t>
+            </a:r>
+          </a:p>
+        </p:txBody>
+      </p:sp>
+      <p:sp>
+        <p:nvSpPr>
+          <p:cNvPr id="3" name="Content Placeholder 2">
+            <a:extLst>
+              <a:ext uri="{FF2B5EF4-FFF2-40B4-BE49-F238E27FC236}">
+                <a16:creationId xmlns:a16="http://schemas.microsoft.com/office/drawing/2014/main" id="{C9D341C2-47E3-1025-6B55-FE851A79B3B4}"/>
+              </a:ext>
+            </a:extLst>
+          </p:cNvPr>
+          <p:cNvSpPr>
+            <a:spLocks noGrp="1"/>
+          </p:cNvSpPr>
+          <p:nvPr>
+            <p:ph idx="1"/>
+          </p:nvPr>
+        </p:nvSpPr>
+        <p:spPr/>
+        <p:txBody>
+          <a:bodyPr/>
+          <a:lstStyle/>
+          <a:p>
+            <a:r>
+              <a:rPr lang="en-US" dirty="0"/>
+              <a:t>Do we need timeout/lock screen for inactivity?</a:t>
+            </a:r>
+          </a:p>
+        </p:txBody>
+      </p:sp>
+    </p:spTree>
+    <p:extLst>
+      <p:ext uri="{BB962C8B-B14F-4D97-AF65-F5344CB8AC3E}">
+        <p14:creationId xmlns:p14="http://schemas.microsoft.com/office/powerpoint/2010/main" val="560850496"/>
+      </p:ext>
+    </p:extLst>
+  </p:cSld>
+  <p:clrMapOvr>
+    <a:masterClrMapping/>
+  </p:clrMapOvr>
+</p:sld>
+</file>
+
+<file path=ppt/slides/slide49.xml><?xml version="1.0" encoding="utf-8"?>
 <p:sld xmlns:a="http://schemas.openxmlformats.org/drawingml/2006/main" xmlns:r="http://schemas.openxmlformats.org/officeDocument/2006/relationships" xmlns:p="http://schemas.openxmlformats.org/presentationml/2006/main">
   <p:cSld>
     <p:spTree>
@@ -22092,15 +24029,6 @@
 </file>
 
 <file path=customXml/item1.xml><?xml version="1.0" encoding="utf-8"?>
-<?mso-contentType ?>
-<FormTemplates xmlns="http://schemas.microsoft.com/sharepoint/v3/contenttype/forms">
-  <Display>DocumentLibraryForm</Display>
-  <Edit>DocumentLibraryForm</Edit>
-  <New>DocumentLibraryForm</New>
-</FormTemplates>
-</file>
-
-<file path=customXml/item2.xml><?xml version="1.0" encoding="utf-8"?>
 <ct:contentTypeSchema xmlns:ct="http://schemas.microsoft.com/office/2006/metadata/contentType" xmlns:ma="http://schemas.microsoft.com/office/2006/metadata/properties/metaAttributes" ct:_="" ma:_="" ma:contentTypeName="Document" ma:contentTypeID="0x010100AB5DB68663D6C64BA14957BF28D5FD1D" ma:contentTypeVersion="11" ma:contentTypeDescription="Create a new document." ma:contentTypeScope="" ma:versionID="87c45d4818ad32ae942938d69027b90f">
   <xsd:schema xmlns:xsd="http://www.w3.org/2001/XMLSchema" xmlns:xs="http://www.w3.org/2001/XMLSchema" xmlns:p="http://schemas.microsoft.com/office/2006/metadata/properties" xmlns:ns2="ba48ebb6-d4c7-4d4b-99f2-dc2b5af10089" xmlns:ns3="93758d66-a6d8-4421-9595-b5c9a3552aa8" targetNamespace="http://schemas.microsoft.com/office/2006/metadata/properties" ma:root="true" ma:fieldsID="710b5f17c0485397f71baebdcc2b4a71" ns2:_="" ns3:_="">
     <xsd:import namespace="ba48ebb6-d4c7-4d4b-99f2-dc2b5af10089"/>
@@ -22295,7 +24223,7 @@
 </ct:contentTypeSchema>
 </file>
 
-<file path=customXml/item3.xml><?xml version="1.0" encoding="utf-8"?>
+<file path=customXml/item2.xml><?xml version="1.0" encoding="utf-8"?>
 <p:properties xmlns:p="http://schemas.microsoft.com/office/2006/metadata/properties" xmlns:xsi="http://www.w3.org/2001/XMLSchema-instance" xmlns:pc="http://schemas.microsoft.com/office/infopath/2007/PartnerControls">
   <documentManagement>
     <lcf76f155ced4ddcb4097134ff3c332f xmlns="ba48ebb6-d4c7-4d4b-99f2-dc2b5af10089">
@@ -22306,15 +24234,16 @@
 </p:properties>
 </file>
 
-<file path=customXml/itemProps1.xml><?xml version="1.0" encoding="utf-8"?>
-<ds:datastoreItem xmlns:ds="http://schemas.openxmlformats.org/officeDocument/2006/customXml" ds:itemID="{A176BA21-0CA7-4A24-B7F1-E783770B708C}">
-  <ds:schemaRefs>
-    <ds:schemaRef ds:uri="http://schemas.microsoft.com/sharepoint/v3/contenttype/forms"/>
-  </ds:schemaRefs>
-</ds:datastoreItem>
+<file path=customXml/item3.xml><?xml version="1.0" encoding="utf-8"?>
+<?mso-contentType ?>
+<FormTemplates xmlns="http://schemas.microsoft.com/sharepoint/v3/contenttype/forms">
+  <Display>DocumentLibraryForm</Display>
+  <Edit>DocumentLibraryForm</Edit>
+  <New>DocumentLibraryForm</New>
+</FormTemplates>
 </file>
 
-<file path=customXml/itemProps2.xml><?xml version="1.0" encoding="utf-8"?>
+<file path=customXml/itemProps1.xml><?xml version="1.0" encoding="utf-8"?>
 <ds:datastoreItem xmlns:ds="http://schemas.openxmlformats.org/officeDocument/2006/customXml" ds:itemID="{3FCF86CD-9E45-4126-90B3-AD9A99F69858}">
   <ds:schemaRefs>
     <ds:schemaRef ds:uri="http://schemas.microsoft.com/office/2006/metadata/contentType"/>
@@ -22333,7 +24262,7 @@
 </ds:datastoreItem>
 </file>
 
-<file path=customXml/itemProps3.xml><?xml version="1.0" encoding="utf-8"?>
+<file path=customXml/itemProps2.xml><?xml version="1.0" encoding="utf-8"?>
 <ds:datastoreItem xmlns:ds="http://schemas.openxmlformats.org/officeDocument/2006/customXml" ds:itemID="{77AB2A85-C7BC-4870-A7CD-068300EE24EE}">
   <ds:schemaRefs>
     <ds:schemaRef ds:uri="93758d66-a6d8-4421-9595-b5c9a3552aa8"/>
@@ -22342,4 +24271,12 @@
     <ds:schemaRef ds:uri="http://schemas.microsoft.com/office/infopath/2007/PartnerControls"/>
   </ds:schemaRefs>
 </ds:datastoreItem>
+</file>
+
+<file path=customXml/itemProps3.xml><?xml version="1.0" encoding="utf-8"?>
+<ds:datastoreItem xmlns:ds="http://schemas.openxmlformats.org/officeDocument/2006/customXml" ds:itemID="{A176BA21-0CA7-4A24-B7F1-E783770B708C}">
+  <ds:schemaRefs>
+    <ds:schemaRef ds:uri="http://schemas.microsoft.com/sharepoint/v3/contenttype/forms"/>
+  </ds:schemaRefs>
+</ds:datastoreItem>
 </file>
--- a/docs/DBMS CDR@29Aug25 v1.1.pptx
+++ b/docs/DBMS CDR@29Aug25 v1.1.pptx
@@ -20478,8 +20478,12 @@
           <a:lstStyle/>
           <a:p>
             <a:r>
-              <a:rPr lang="en-US" dirty="0"/>
-              <a:t>Do we need timeout/lock screen for inactivity?</a:t>
+              <a:rPr lang="en-US" dirty="0">
+                <a:solidFill>
+                  <a:srgbClr val="FF0000"/>
+                </a:solidFill>
+              </a:rPr>
+              <a:t>Do we need timeout/lock screen for inactivity? No need</a:t>
             </a:r>
           </a:p>
         </p:txBody>
@@ -24029,6 +24033,26 @@
 </file>
 
 <file path=customXml/item1.xml><?xml version="1.0" encoding="utf-8"?>
+<p:properties xmlns:p="http://schemas.microsoft.com/office/2006/metadata/properties" xmlns:xsi="http://www.w3.org/2001/XMLSchema-instance" xmlns:pc="http://schemas.microsoft.com/office/infopath/2007/PartnerControls">
+  <documentManagement>
+    <lcf76f155ced4ddcb4097134ff3c332f xmlns="ba48ebb6-d4c7-4d4b-99f2-dc2b5af10089">
+      <Terms xmlns="http://schemas.microsoft.com/office/infopath/2007/PartnerControls"/>
+    </lcf76f155ced4ddcb4097134ff3c332f>
+    <TaxCatchAll xmlns="93758d66-a6d8-4421-9595-b5c9a3552aa8" xsi:nil="true"/>
+  </documentManagement>
+</p:properties>
+</file>
+
+<file path=customXml/item2.xml><?xml version="1.0" encoding="utf-8"?>
+<?mso-contentType ?>
+<FormTemplates xmlns="http://schemas.microsoft.com/sharepoint/v3/contenttype/forms">
+  <Display>DocumentLibraryForm</Display>
+  <Edit>DocumentLibraryForm</Edit>
+  <New>DocumentLibraryForm</New>
+</FormTemplates>
+</file>
+
+<file path=customXml/item3.xml><?xml version="1.0" encoding="utf-8"?>
 <ct:contentTypeSchema xmlns:ct="http://schemas.microsoft.com/office/2006/metadata/contentType" xmlns:ma="http://schemas.microsoft.com/office/2006/metadata/properties/metaAttributes" ct:_="" ma:_="" ma:contentTypeName="Document" ma:contentTypeID="0x010100AB5DB68663D6C64BA14957BF28D5FD1D" ma:contentTypeVersion="11" ma:contentTypeDescription="Create a new document." ma:contentTypeScope="" ma:versionID="87c45d4818ad32ae942938d69027b90f">
   <xsd:schema xmlns:xsd="http://www.w3.org/2001/XMLSchema" xmlns:xs="http://www.w3.org/2001/XMLSchema" xmlns:p="http://schemas.microsoft.com/office/2006/metadata/properties" xmlns:ns2="ba48ebb6-d4c7-4d4b-99f2-dc2b5af10089" xmlns:ns3="93758d66-a6d8-4421-9595-b5c9a3552aa8" targetNamespace="http://schemas.microsoft.com/office/2006/metadata/properties" ma:root="true" ma:fieldsID="710b5f17c0485397f71baebdcc2b4a71" ns2:_="" ns3:_="">
     <xsd:import namespace="ba48ebb6-d4c7-4d4b-99f2-dc2b5af10089"/>
@@ -24223,27 +24247,26 @@
 </ct:contentTypeSchema>
 </file>
 
-<file path=customXml/item2.xml><?xml version="1.0" encoding="utf-8"?>
-<p:properties xmlns:p="http://schemas.microsoft.com/office/2006/metadata/properties" xmlns:xsi="http://www.w3.org/2001/XMLSchema-instance" xmlns:pc="http://schemas.microsoft.com/office/infopath/2007/PartnerControls">
-  <documentManagement>
-    <lcf76f155ced4ddcb4097134ff3c332f xmlns="ba48ebb6-d4c7-4d4b-99f2-dc2b5af10089">
-      <Terms xmlns="http://schemas.microsoft.com/office/infopath/2007/PartnerControls"/>
-    </lcf76f155ced4ddcb4097134ff3c332f>
-    <TaxCatchAll xmlns="93758d66-a6d8-4421-9595-b5c9a3552aa8" xsi:nil="true"/>
-  </documentManagement>
-</p:properties>
+<file path=customXml/itemProps1.xml><?xml version="1.0" encoding="utf-8"?>
+<ds:datastoreItem xmlns:ds="http://schemas.openxmlformats.org/officeDocument/2006/customXml" ds:itemID="{77AB2A85-C7BC-4870-A7CD-068300EE24EE}">
+  <ds:schemaRefs>
+    <ds:schemaRef ds:uri="93758d66-a6d8-4421-9595-b5c9a3552aa8"/>
+    <ds:schemaRef ds:uri="ba48ebb6-d4c7-4d4b-99f2-dc2b5af10089"/>
+    <ds:schemaRef ds:uri="http://schemas.microsoft.com/office/2006/metadata/properties"/>
+    <ds:schemaRef ds:uri="http://schemas.microsoft.com/office/infopath/2007/PartnerControls"/>
+  </ds:schemaRefs>
+</ds:datastoreItem>
 </file>
 
-<file path=customXml/item3.xml><?xml version="1.0" encoding="utf-8"?>
-<?mso-contentType ?>
-<FormTemplates xmlns="http://schemas.microsoft.com/sharepoint/v3/contenttype/forms">
-  <Display>DocumentLibraryForm</Display>
-  <Edit>DocumentLibraryForm</Edit>
-  <New>DocumentLibraryForm</New>
-</FormTemplates>
+<file path=customXml/itemProps2.xml><?xml version="1.0" encoding="utf-8"?>
+<ds:datastoreItem xmlns:ds="http://schemas.openxmlformats.org/officeDocument/2006/customXml" ds:itemID="{A176BA21-0CA7-4A24-B7F1-E783770B708C}">
+  <ds:schemaRefs>
+    <ds:schemaRef ds:uri="http://schemas.microsoft.com/sharepoint/v3/contenttype/forms"/>
+  </ds:schemaRefs>
+</ds:datastoreItem>
 </file>
 
-<file path=customXml/itemProps1.xml><?xml version="1.0" encoding="utf-8"?>
+<file path=customXml/itemProps3.xml><?xml version="1.0" encoding="utf-8"?>
 <ds:datastoreItem xmlns:ds="http://schemas.openxmlformats.org/officeDocument/2006/customXml" ds:itemID="{3FCF86CD-9E45-4126-90B3-AD9A99F69858}">
   <ds:schemaRefs>
     <ds:schemaRef ds:uri="http://schemas.microsoft.com/office/2006/metadata/contentType"/>
@@ -24260,23 +24283,4 @@
     <ds:schemaRef ds:uri="http://schemas.microsoft.com/internal/obd"/>
   </ds:schemaRefs>
 </ds:datastoreItem>
-</file>
-
-<file path=customXml/itemProps2.xml><?xml version="1.0" encoding="utf-8"?>
-<ds:datastoreItem xmlns:ds="http://schemas.openxmlformats.org/officeDocument/2006/customXml" ds:itemID="{77AB2A85-C7BC-4870-A7CD-068300EE24EE}">
-  <ds:schemaRefs>
-    <ds:schemaRef ds:uri="93758d66-a6d8-4421-9595-b5c9a3552aa8"/>
-    <ds:schemaRef ds:uri="ba48ebb6-d4c7-4d4b-99f2-dc2b5af10089"/>
-    <ds:schemaRef ds:uri="http://schemas.microsoft.com/office/2006/metadata/properties"/>
-    <ds:schemaRef ds:uri="http://schemas.microsoft.com/office/infopath/2007/PartnerControls"/>
-  </ds:schemaRefs>
-</ds:datastoreItem>
-</file>
-
-<file path=customXml/itemProps3.xml><?xml version="1.0" encoding="utf-8"?>
-<ds:datastoreItem xmlns:ds="http://schemas.openxmlformats.org/officeDocument/2006/customXml" ds:itemID="{A176BA21-0CA7-4A24-B7F1-E783770B708C}">
-  <ds:schemaRefs>
-    <ds:schemaRef ds:uri="http://schemas.microsoft.com/sharepoint/v3/contenttype/forms"/>
-  </ds:schemaRefs>
-</ds:datastoreItem>
 </file>
--- a/docs/DBMS CDR@29Aug25 v1.1.pptx
+++ b/docs/DBMS CDR@29Aug25 v1.1.pptx
@@ -5,7 +5,7 @@
     <p:sldMasterId id="2147483648" r:id="rId4"/>
   </p:sldMasterIdLst>
   <p:notesMasterIdLst>
-    <p:notesMasterId r:id="rId54"/>
+    <p:notesMasterId r:id="rId55"/>
   </p:notesMasterIdLst>
   <p:sldIdLst>
     <p:sldId id="256" r:id="rId5"/>
@@ -53,10 +53,11 @@
     <p:sldId id="473" r:id="rId47"/>
     <p:sldId id="527" r:id="rId48"/>
     <p:sldId id="547" r:id="rId49"/>
-    <p:sldId id="548" r:id="rId50"/>
-    <p:sldId id="549" r:id="rId51"/>
-    <p:sldId id="550" r:id="rId52"/>
-    <p:sldId id="415" r:id="rId53"/>
+    <p:sldId id="551" r:id="rId50"/>
+    <p:sldId id="548" r:id="rId51"/>
+    <p:sldId id="549" r:id="rId52"/>
+    <p:sldId id="550" r:id="rId53"/>
+    <p:sldId id="415" r:id="rId54"/>
   </p:sldIdLst>
   <p:sldSz cx="12192000" cy="6858000"/>
   <p:notesSz cx="6858000" cy="9144000"/>
@@ -245,7 +246,7 @@
           <a:p>
             <a:fld id="{7B01CEB5-3561-4C01-AAE0-3280B30A9761}" type="datetimeFigureOut">
               <a:rPr lang="en-SG" smtClean="0"/>
-              <a:t>22/9/2025</a:t>
+              <a:t>24/9/2025</a:t>
             </a:fld>
             <a:endParaRPr lang="en-SG"/>
           </a:p>
@@ -985,6 +986,114 @@
 </p:notes>
 </file>
 
+<file path=ppt/notesSlides/notesSlide14.xml><?xml version="1.0" encoding="utf-8"?>
+<p:notes xmlns:a="http://schemas.openxmlformats.org/drawingml/2006/main" xmlns:r="http://schemas.openxmlformats.org/officeDocument/2006/relationships" xmlns:p="http://schemas.openxmlformats.org/presentationml/2006/main">
+  <p:cSld>
+    <p:spTree>
+      <p:nvGrpSpPr>
+        <p:cNvPr id="1" name="">
+          <a:extLst>
+            <a:ext uri="{FF2B5EF4-FFF2-40B4-BE49-F238E27FC236}">
+              <a16:creationId xmlns:a16="http://schemas.microsoft.com/office/drawing/2014/main" id="{4847E5A6-E74A-A0E4-B000-F7D2D7265552}"/>
+            </a:ext>
+          </a:extLst>
+        </p:cNvPr>
+        <p:cNvGrpSpPr/>
+        <p:nvPr/>
+      </p:nvGrpSpPr>
+      <p:grpSpPr>
+        <a:xfrm>
+          <a:off x="0" y="0"/>
+          <a:ext cx="0" cy="0"/>
+          <a:chOff x="0" y="0"/>
+          <a:chExt cx="0" cy="0"/>
+        </a:xfrm>
+      </p:grpSpPr>
+      <p:sp>
+        <p:nvSpPr>
+          <p:cNvPr id="2" name="Slide Image Placeholder 1">
+            <a:extLst>
+              <a:ext uri="{FF2B5EF4-FFF2-40B4-BE49-F238E27FC236}">
+                <a16:creationId xmlns:a16="http://schemas.microsoft.com/office/drawing/2014/main" id="{A830ADD3-47BD-108F-5330-178B29C3677F}"/>
+              </a:ext>
+            </a:extLst>
+          </p:cNvPr>
+          <p:cNvSpPr>
+            <a:spLocks noGrp="1" noRot="1" noChangeAspect="1"/>
+          </p:cNvSpPr>
+          <p:nvPr>
+            <p:ph type="sldImg"/>
+          </p:nvPr>
+        </p:nvSpPr>
+        <p:spPr/>
+      </p:sp>
+      <p:sp>
+        <p:nvSpPr>
+          <p:cNvPr id="3" name="Notes Placeholder 2">
+            <a:extLst>
+              <a:ext uri="{FF2B5EF4-FFF2-40B4-BE49-F238E27FC236}">
+                <a16:creationId xmlns:a16="http://schemas.microsoft.com/office/drawing/2014/main" id="{965AE9EF-ECF4-5784-9473-E7A3222DB03B}"/>
+              </a:ext>
+            </a:extLst>
+          </p:cNvPr>
+          <p:cNvSpPr>
+            <a:spLocks noGrp="1"/>
+          </p:cNvSpPr>
+          <p:nvPr>
+            <p:ph type="body" idx="1"/>
+          </p:nvPr>
+        </p:nvSpPr>
+        <p:spPr/>
+        <p:txBody>
+          <a:bodyPr/>
+          <a:lstStyle/>
+          <a:p>
+            <a:endParaRPr lang="en-US" dirty="0"/>
+          </a:p>
+        </p:txBody>
+      </p:sp>
+      <p:sp>
+        <p:nvSpPr>
+          <p:cNvPr id="4" name="Slide Number Placeholder 3">
+            <a:extLst>
+              <a:ext uri="{FF2B5EF4-FFF2-40B4-BE49-F238E27FC236}">
+                <a16:creationId xmlns:a16="http://schemas.microsoft.com/office/drawing/2014/main" id="{E81EFD42-3EE1-D6A5-3E28-86FC4937AF7B}"/>
+              </a:ext>
+            </a:extLst>
+          </p:cNvPr>
+          <p:cNvSpPr>
+            <a:spLocks noGrp="1"/>
+          </p:cNvSpPr>
+          <p:nvPr>
+            <p:ph type="sldNum" sz="quarter" idx="5"/>
+          </p:nvPr>
+        </p:nvSpPr>
+        <p:spPr/>
+        <p:txBody>
+          <a:bodyPr/>
+          <a:lstStyle/>
+          <a:p>
+            <a:fld id="{B81666E2-0258-4AF6-B059-6673F343C6B0}" type="slidenum">
+              <a:rPr lang="en-SG" smtClean="0"/>
+              <a:t>46</a:t>
+            </a:fld>
+            <a:endParaRPr lang="en-SG"/>
+          </a:p>
+        </p:txBody>
+      </p:sp>
+    </p:spTree>
+    <p:extLst>
+      <p:ext uri="{BB962C8B-B14F-4D97-AF65-F5344CB8AC3E}">
+        <p14:creationId xmlns:p14="http://schemas.microsoft.com/office/powerpoint/2010/main" val="2126091307"/>
+      </p:ext>
+    </p:extLst>
+  </p:cSld>
+  <p:clrMapOvr>
+    <a:masterClrMapping/>
+  </p:clrMapOvr>
+</p:notes>
+</file>
+
 <file path=ppt/notesSlides/notesSlide2.xml><?xml version="1.0" encoding="utf-8"?>
 <p:notes xmlns:a="http://schemas.openxmlformats.org/drawingml/2006/main" xmlns:r="http://schemas.openxmlformats.org/officeDocument/2006/relationships" xmlns:p="http://schemas.openxmlformats.org/presentationml/2006/main">
   <p:cSld>
@@ -2009,7 +2118,7 @@
           <a:p>
             <a:fld id="{2E3E9BBE-B4A3-4906-AE0E-317AC22F7394}" type="datetimeFigureOut">
               <a:rPr lang="en-SG" smtClean="0"/>
-              <a:t>22/9/2025</a:t>
+              <a:t>24/9/2025</a:t>
             </a:fld>
             <a:endParaRPr lang="en-SG"/>
           </a:p>
@@ -2239,7 +2348,7 @@
           <a:p>
             <a:fld id="{2E3E9BBE-B4A3-4906-AE0E-317AC22F7394}" type="datetimeFigureOut">
               <a:rPr lang="en-SG" smtClean="0"/>
-              <a:t>22/9/2025</a:t>
+              <a:t>24/9/2025</a:t>
             </a:fld>
             <a:endParaRPr lang="en-SG"/>
           </a:p>
@@ -2449,7 +2558,7 @@
           <a:p>
             <a:fld id="{2E3E9BBE-B4A3-4906-AE0E-317AC22F7394}" type="datetimeFigureOut">
               <a:rPr lang="en-SG" smtClean="0"/>
-              <a:t>22/9/2025</a:t>
+              <a:t>24/9/2025</a:t>
             </a:fld>
             <a:endParaRPr lang="en-SG"/>
           </a:p>
@@ -2822,7 +2931,7 @@
           <a:p>
             <a:fld id="{2E3E9BBE-B4A3-4906-AE0E-317AC22F7394}" type="datetimeFigureOut">
               <a:rPr lang="en-SG" smtClean="0"/>
-              <a:t>22/9/2025</a:t>
+              <a:t>24/9/2025</a:t>
             </a:fld>
             <a:endParaRPr lang="en-SG" dirty="0"/>
           </a:p>
@@ -3135,7 +3244,7 @@
           <a:p>
             <a:fld id="{2E3E9BBE-B4A3-4906-AE0E-317AC22F7394}" type="datetimeFigureOut">
               <a:rPr lang="en-SG" smtClean="0"/>
-              <a:t>22/9/2025</a:t>
+              <a:t>24/9/2025</a:t>
             </a:fld>
             <a:endParaRPr lang="en-SG"/>
           </a:p>
@@ -3446,7 +3555,7 @@
           <a:p>
             <a:fld id="{2E3E9BBE-B4A3-4906-AE0E-317AC22F7394}" type="datetimeFigureOut">
               <a:rPr lang="en-SG" smtClean="0"/>
-              <a:t>22/9/2025</a:t>
+              <a:t>24/9/2025</a:t>
             </a:fld>
             <a:endParaRPr lang="en-SG"/>
           </a:p>
@@ -3902,7 +4011,7 @@
           <a:p>
             <a:fld id="{2E3E9BBE-B4A3-4906-AE0E-317AC22F7394}" type="datetimeFigureOut">
               <a:rPr lang="en-SG" smtClean="0"/>
-              <a:t>22/9/2025</a:t>
+              <a:t>24/9/2025</a:t>
             </a:fld>
             <a:endParaRPr lang="en-SG"/>
           </a:p>
@@ -4087,7 +4196,7 @@
           <a:p>
             <a:fld id="{2E3E9BBE-B4A3-4906-AE0E-317AC22F7394}" type="datetimeFigureOut">
               <a:rPr lang="en-SG" smtClean="0"/>
-              <a:t>22/9/2025</a:t>
+              <a:t>24/9/2025</a:t>
             </a:fld>
             <a:endParaRPr lang="en-SG"/>
           </a:p>
@@ -4230,7 +4339,7 @@
           <a:p>
             <a:fld id="{2E3E9BBE-B4A3-4906-AE0E-317AC22F7394}" type="datetimeFigureOut">
               <a:rPr lang="en-SG" smtClean="0"/>
-              <a:t>22/9/2025</a:t>
+              <a:t>24/9/2025</a:t>
             </a:fld>
             <a:endParaRPr lang="en-SG"/>
           </a:p>
@@ -4573,7 +4682,7 @@
           <a:p>
             <a:fld id="{2E3E9BBE-B4A3-4906-AE0E-317AC22F7394}" type="datetimeFigureOut">
               <a:rPr lang="en-SG" smtClean="0"/>
-              <a:t>22/9/2025</a:t>
+              <a:t>24/9/2025</a:t>
             </a:fld>
             <a:endParaRPr lang="en-SG"/>
           </a:p>
@@ -4862,7 +4971,7 @@
           <a:p>
             <a:fld id="{2E3E9BBE-B4A3-4906-AE0E-317AC22F7394}" type="datetimeFigureOut">
               <a:rPr lang="en-SG" smtClean="0"/>
-              <a:t>22/9/2025</a:t>
+              <a:t>24/9/2025</a:t>
             </a:fld>
             <a:endParaRPr lang="en-SG"/>
           </a:p>
@@ -5105,7 +5214,7 @@
           <a:p>
             <a:fld id="{2E3E9BBE-B4A3-4906-AE0E-317AC22F7394}" type="datetimeFigureOut">
               <a:rPr lang="en-SG" smtClean="0"/>
-              <a:t>22/9/2025</a:t>
+              <a:t>24/9/2025</a:t>
             </a:fld>
             <a:endParaRPr lang="en-SG"/>
           </a:p>
@@ -18695,7 +18804,7 @@
 </file>
 
 <file path=ppt/slides/slide45.xml><?xml version="1.0" encoding="utf-8"?>
-<p:sld xmlns:a="http://schemas.openxmlformats.org/drawingml/2006/main" xmlns:r="http://schemas.openxmlformats.org/officeDocument/2006/relationships" xmlns:p="http://schemas.openxmlformats.org/presentationml/2006/main">
+<p:sld xmlns:a="http://schemas.openxmlformats.org/drawingml/2006/main" xmlns:r="http://schemas.openxmlformats.org/officeDocument/2006/relationships" xmlns:p="http://schemas.openxmlformats.org/presentationml/2006/main" show="0">
   <p:cSld>
     <p:spTree>
       <p:nvGrpSpPr>
@@ -20186,7 +20295,13 @@
   <p:cSld>
     <p:spTree>
       <p:nvGrpSpPr>
-        <p:cNvPr id="1" name=""/>
+        <p:cNvPr id="1" name="">
+          <a:extLst>
+            <a:ext uri="{FF2B5EF4-FFF2-40B4-BE49-F238E27FC236}">
+              <a16:creationId xmlns:a16="http://schemas.microsoft.com/office/drawing/2014/main" id="{05EE0BBD-B24A-2E4C-35E5-8129DD90FEDB}"/>
+            </a:ext>
+          </a:extLst>
+        </p:cNvPr>
         <p:cNvGrpSpPr/>
         <p:nvPr/>
       </p:nvGrpSpPr>
@@ -20203,7 +20318,7 @@
           <p:cNvPr id="2" name="Title 1">
             <a:extLst>
               <a:ext uri="{FF2B5EF4-FFF2-40B4-BE49-F238E27FC236}">
-                <a16:creationId xmlns:a16="http://schemas.microsoft.com/office/drawing/2014/main" id="{C1C80B06-37FE-2F0D-BC25-32C4F02E13AE}"/>
+                <a16:creationId xmlns:a16="http://schemas.microsoft.com/office/drawing/2014/main" id="{EDF44F1D-4668-09B1-A3CA-E0DF136485D0}"/>
               </a:ext>
             </a:extLst>
           </p:cNvPr>
@@ -20220,18 +20335,287 @@
           <a:lstStyle/>
           <a:p>
             <a:r>
-              <a:rPr lang="en-US" dirty="0"/>
-              <a:t>Designer – Base Table List</a:t>
+              <a:rPr lang="en-SG" dirty="0"/>
+              <a:t>CDR&gt;RL&gt;CDR Return&gt;Alert&gt;Approve</a:t>
             </a:r>
           </a:p>
         </p:txBody>
       </p:sp>
       <p:sp>
         <p:nvSpPr>
-          <p:cNvPr id="3" name="Content Placeholder 2">
-            <a:extLst>
-              <a:ext uri="{FF2B5EF4-FFF2-40B4-BE49-F238E27FC236}">
-                <a16:creationId xmlns:a16="http://schemas.microsoft.com/office/drawing/2014/main" id="{5CE713E2-BEBA-2280-B2D3-856EE21343DC}"/>
+          <p:cNvPr id="8" name="Rectangle 7">
+            <a:extLst>
+              <a:ext uri="{FF2B5EF4-FFF2-40B4-BE49-F238E27FC236}">
+                <a16:creationId xmlns:a16="http://schemas.microsoft.com/office/drawing/2014/main" id="{917DB9FD-B648-7E97-F915-62975F5ABE80}"/>
+              </a:ext>
+            </a:extLst>
+          </p:cNvPr>
+          <p:cNvSpPr/>
+          <p:nvPr/>
+        </p:nvSpPr>
+        <p:spPr>
+          <a:xfrm>
+            <a:off x="449688" y="1290510"/>
+            <a:ext cx="3161763" cy="2817566"/>
+          </a:xfrm>
+          <a:prstGeom prst="rect">
+            <a:avLst/>
+          </a:prstGeom>
+        </p:spPr>
+        <p:style>
+          <a:lnRef idx="2">
+            <a:schemeClr val="accent1">
+              <a:shade val="15000"/>
+            </a:schemeClr>
+          </a:lnRef>
+          <a:fillRef idx="1">
+            <a:schemeClr val="accent1"/>
+          </a:fillRef>
+          <a:effectRef idx="0">
+            <a:schemeClr val="accent1"/>
+          </a:effectRef>
+          <a:fontRef idx="minor">
+            <a:schemeClr val="lt1"/>
+          </a:fontRef>
+        </p:style>
+        <p:txBody>
+          <a:bodyPr rtlCol="0" anchor="ctr"/>
+          <a:lstStyle/>
+          <a:p>
+            <a:r>
+              <a:rPr lang="en-US" sz="1400" b="1" u="sng" dirty="0"/>
+              <a:t>CDR Request Form</a:t>
+            </a:r>
+          </a:p>
+          <a:p>
+            <a:r>
+              <a:rPr lang="en-US" sz="1400" b="1" u="sng" dirty="0"/>
+              <a:t>[Active][Draft]</a:t>
+            </a:r>
+          </a:p>
+          <a:p>
+            <a:r>
+              <a:rPr lang="en-US" sz="1400" dirty="0"/>
+              <a:t>ID</a:t>
+            </a:r>
+          </a:p>
+          <a:p>
+            <a:r>
+              <a:rPr lang="en-US" sz="1400" dirty="0"/>
+              <a:t>*TOI     Fields   Telco   Active?</a:t>
+            </a:r>
+          </a:p>
+          <a:p>
+            <a:r>
+              <a:rPr lang="en-US" sz="1400" dirty="0"/>
+              <a:t>Period</a:t>
+            </a:r>
+          </a:p>
+          <a:p>
+            <a:r>
+              <a:rPr lang="en-US" sz="1400" dirty="0"/>
+              <a:t>Normal/Urgent</a:t>
+            </a:r>
+          </a:p>
+          <a:p>
+            <a:r>
+              <a:rPr lang="en-US" sz="1400" dirty="0"/>
+              <a:t>Normal to Urgent</a:t>
+            </a:r>
+          </a:p>
+          <a:p>
+            <a:r>
+              <a:rPr lang="en-US" sz="1400" dirty="0"/>
+              <a:t>Status: New | In-Progress | Partial | Completed</a:t>
+            </a:r>
+          </a:p>
+          <a:p>
+            <a:endParaRPr lang="en-US" sz="1400" dirty="0"/>
+          </a:p>
+          <a:p>
+            <a:r>
+              <a:rPr lang="en-US" sz="1400" dirty="0">
+                <a:solidFill>
+                  <a:srgbClr val="FF0000"/>
+                </a:solidFill>
+              </a:rPr>
+              <a:t>*</a:t>
+            </a:r>
+            <a:r>
+              <a:rPr lang="en-US" sz="1400" dirty="0">
+                <a:solidFill>
+                  <a:schemeClr val="accent4">
+                    <a:lumMod val="40000"/>
+                    <a:lumOff val="60000"/>
+                  </a:schemeClr>
+                </a:solidFill>
+              </a:rPr>
+              <a:t>Validation for Duplicate TOI</a:t>
+            </a:r>
+          </a:p>
+          <a:p>
+            <a:r>
+              <a:rPr lang="en-US" sz="1400" dirty="0"/>
+              <a:t>[Cancel][Save][Save as Draft][Confirm Urgent &amp; Generate]</a:t>
+            </a:r>
+          </a:p>
+        </p:txBody>
+      </p:sp>
+      <p:sp>
+        <p:nvSpPr>
+          <p:cNvPr id="9" name="Rectangle 8">
+            <a:extLst>
+              <a:ext uri="{FF2B5EF4-FFF2-40B4-BE49-F238E27FC236}">
+                <a16:creationId xmlns:a16="http://schemas.microsoft.com/office/drawing/2014/main" id="{910E54F7-6D11-A541-9BC1-E9777FCF8D24}"/>
+              </a:ext>
+            </a:extLst>
+          </p:cNvPr>
+          <p:cNvSpPr/>
+          <p:nvPr/>
+        </p:nvSpPr>
+        <p:spPr>
+          <a:xfrm>
+            <a:off x="4658486" y="1290510"/>
+            <a:ext cx="2090448" cy="1568450"/>
+          </a:xfrm>
+          <a:prstGeom prst="rect">
+            <a:avLst/>
+          </a:prstGeom>
+          <a:solidFill>
+            <a:schemeClr val="tx2">
+              <a:lumMod val="75000"/>
+            </a:schemeClr>
+          </a:solidFill>
+        </p:spPr>
+        <p:style>
+          <a:lnRef idx="2">
+            <a:schemeClr val="accent1">
+              <a:shade val="15000"/>
+            </a:schemeClr>
+          </a:lnRef>
+          <a:fillRef idx="1">
+            <a:schemeClr val="accent1"/>
+          </a:fillRef>
+          <a:effectRef idx="0">
+            <a:schemeClr val="accent1"/>
+          </a:effectRef>
+          <a:fontRef idx="minor">
+            <a:schemeClr val="lt1"/>
+          </a:fontRef>
+        </p:style>
+        <p:txBody>
+          <a:bodyPr rtlCol="0" anchor="ctr"/>
+          <a:lstStyle/>
+          <a:p>
+            <a:pPr algn="ctr"/>
+            <a:r>
+              <a:rPr lang="en-US" sz="1400" b="1" u="sng" dirty="0"/>
+              <a:t>Urgent Routine List</a:t>
+            </a:r>
+          </a:p>
+          <a:p>
+            <a:pPr algn="ctr"/>
+            <a:r>
+              <a:rPr lang="en-US" sz="1400" dirty="0"/>
+              <a:t>*TOI </a:t>
+            </a:r>
+            <a:r>
+              <a:rPr lang="en-US" sz="1400" dirty="0" err="1"/>
+              <a:t>RequestID</a:t>
+            </a:r>
+            <a:r>
+              <a:rPr lang="en-US" sz="1400" dirty="0"/>
+              <a:t> Period Status</a:t>
+            </a:r>
+          </a:p>
+        </p:txBody>
+      </p:sp>
+      <p:cxnSp>
+        <p:nvCxnSpPr>
+          <p:cNvPr id="11" name="Connector: Elbow 10">
+            <a:extLst>
+              <a:ext uri="{FF2B5EF4-FFF2-40B4-BE49-F238E27FC236}">
+                <a16:creationId xmlns:a16="http://schemas.microsoft.com/office/drawing/2014/main" id="{F0A03403-55B7-70AB-F90F-A807F27D095C}"/>
+              </a:ext>
+            </a:extLst>
+          </p:cNvPr>
+          <p:cNvCxnSpPr>
+            <a:cxnSpLocks/>
+            <a:stCxn id="8" idx="3"/>
+            <a:endCxn id="9" idx="1"/>
+          </p:cNvCxnSpPr>
+          <p:nvPr/>
+        </p:nvCxnSpPr>
+        <p:spPr>
+          <a:xfrm flipV="1">
+            <a:off x="3611451" y="2074735"/>
+            <a:ext cx="1047035" cy="624558"/>
+          </a:xfrm>
+          <a:prstGeom prst="bentConnector3">
+            <a:avLst>
+              <a:gd name="adj1" fmla="val 50000"/>
+            </a:avLst>
+          </a:prstGeom>
+          <a:ln>
+            <a:tailEnd type="triangle"/>
+          </a:ln>
+        </p:spPr>
+        <p:style>
+          <a:lnRef idx="1">
+            <a:schemeClr val="accent1"/>
+          </a:lnRef>
+          <a:fillRef idx="0">
+            <a:schemeClr val="accent1"/>
+          </a:fillRef>
+          <a:effectRef idx="0">
+            <a:schemeClr val="accent1"/>
+          </a:effectRef>
+          <a:fontRef idx="minor">
+            <a:schemeClr val="tx1"/>
+          </a:fontRef>
+        </p:style>
+      </p:cxnSp>
+      <p:sp>
+        <p:nvSpPr>
+          <p:cNvPr id="13" name="TextBox 12">
+            <a:extLst>
+              <a:ext uri="{FF2B5EF4-FFF2-40B4-BE49-F238E27FC236}">
+                <a16:creationId xmlns:a16="http://schemas.microsoft.com/office/drawing/2014/main" id="{D4FA3763-A968-28C7-CCD5-662477944495}"/>
+              </a:ext>
+            </a:extLst>
+          </p:cNvPr>
+          <p:cNvSpPr txBox="1"/>
+          <p:nvPr/>
+        </p:nvSpPr>
+        <p:spPr>
+          <a:xfrm rot="16200000">
+            <a:off x="3565876" y="2917900"/>
+            <a:ext cx="958850" cy="276999"/>
+          </a:xfrm>
+          <a:prstGeom prst="rect">
+            <a:avLst/>
+          </a:prstGeom>
+          <a:noFill/>
+        </p:spPr>
+        <p:txBody>
+          <a:bodyPr wrap="square" rtlCol="0">
+            <a:spAutoFit/>
+          </a:bodyPr>
+          <a:lstStyle/>
+          <a:p>
+            <a:r>
+              <a:rPr lang="en-US" sz="1200" dirty="0"/>
+              <a:t>Urgent?</a:t>
+            </a:r>
+          </a:p>
+        </p:txBody>
+      </p:sp>
+      <p:sp>
+        <p:nvSpPr>
+          <p:cNvPr id="14" name="Content Placeholder 13">
+            <a:extLst>
+              <a:ext uri="{FF2B5EF4-FFF2-40B4-BE49-F238E27FC236}">
+                <a16:creationId xmlns:a16="http://schemas.microsoft.com/office/drawing/2014/main" id="{E0A866AE-1FB7-0CBE-B582-0286CE43900F}"/>
               </a:ext>
             </a:extLst>
           </p:cNvPr>
@@ -20242,31 +20626,1068 @@
             <p:ph idx="1"/>
           </p:nvPr>
         </p:nvSpPr>
-        <p:spPr/>
+        <p:spPr>
+          <a:xfrm>
+            <a:off x="9563636" y="1788221"/>
+            <a:ext cx="2474890" cy="1924787"/>
+          </a:xfrm>
+          <a:prstGeom prst="rect">
+            <a:avLst/>
+          </a:prstGeom>
+        </p:spPr>
+        <p:style>
+          <a:lnRef idx="2">
+            <a:schemeClr val="accent1">
+              <a:shade val="15000"/>
+            </a:schemeClr>
+          </a:lnRef>
+          <a:fillRef idx="1">
+            <a:schemeClr val="accent1"/>
+          </a:fillRef>
+          <a:effectRef idx="0">
+            <a:schemeClr val="accent1"/>
+          </a:effectRef>
+          <a:fontRef idx="minor">
+            <a:schemeClr val="lt1"/>
+          </a:fontRef>
+        </p:style>
         <p:txBody>
-          <a:bodyPr/>
+          <a:bodyPr rtlCol="0" anchor="ctr">
+            <a:normAutofit fontScale="92500" lnSpcReduction="20000"/>
+          </a:bodyPr>
           <a:lstStyle/>
           <a:p>
-            <a:r>
-              <a:rPr lang="en-US" dirty="0"/>
-              <a:t>Requestors</a:t>
-            </a:r>
-          </a:p>
-          <a:p>
-            <a:r>
-              <a:rPr lang="en-US" dirty="0"/>
-              <a:t>Telcos</a:t>
-            </a:r>
-          </a:p>
-          <a:p>
-            <a:endParaRPr lang="en-US" dirty="0"/>
+            <a:pPr marL="0" indent="0">
+              <a:buNone/>
+            </a:pPr>
+            <a:r>
+              <a:rPr lang="en-US" sz="1400" b="1" u="sng" dirty="0"/>
+              <a:t>Routine List View</a:t>
+            </a:r>
+          </a:p>
+          <a:p>
+            <a:pPr marL="0" indent="0">
+              <a:buNone/>
+            </a:pPr>
+            <a:r>
+              <a:rPr lang="en-US" sz="1400" dirty="0"/>
+              <a:t>Filter</a:t>
+            </a:r>
+            <a:br>
+              <a:rPr lang="en-US" sz="1400" b="1" u="sng" dirty="0"/>
+            </a:br>
+            <a:r>
+              <a:rPr lang="en-US" sz="1400" dirty="0"/>
+              <a:t>*Request ID</a:t>
+            </a:r>
+            <a:br>
+              <a:rPr lang="en-US" sz="1400" b="1" dirty="0"/>
+            </a:br>
+            <a:r>
+              <a:rPr lang="en-US" sz="1400" b="1" dirty="0"/>
+              <a:t>   *</a:t>
+            </a:r>
+            <a:r>
+              <a:rPr lang="en-US" sz="1400" dirty="0"/>
+              <a:t>TOI Period Status</a:t>
+            </a:r>
+          </a:p>
+          <a:p>
+            <a:pPr marL="0" indent="0">
+              <a:buNone/>
+            </a:pPr>
+            <a:endParaRPr lang="en-US" sz="1400" b="1" dirty="0"/>
+          </a:p>
+          <a:p>
+            <a:pPr marL="0" indent="0">
+              <a:buNone/>
+            </a:pPr>
+            <a:r>
+              <a:rPr lang="en-US" sz="1400" dirty="0">
+                <a:solidFill>
+                  <a:srgbClr val="C00000"/>
+                </a:solidFill>
+              </a:rPr>
+              <a:t>*</a:t>
+            </a:r>
+            <a:r>
+              <a:rPr lang="en-US" sz="1400" dirty="0">
+                <a:solidFill>
+                  <a:srgbClr val="FEFEBE"/>
+                </a:solidFill>
+              </a:rPr>
+              <a:t>Must take care of </a:t>
+            </a:r>
+            <a:r>
+              <a:rPr lang="en-US" sz="1400" dirty="0" err="1">
+                <a:solidFill>
+                  <a:srgbClr val="FEFEBE"/>
+                </a:solidFill>
+              </a:rPr>
+              <a:t>Orh</a:t>
+            </a:r>
+            <a:r>
+              <a:rPr lang="en-US" sz="1400" dirty="0">
+                <a:solidFill>
+                  <a:srgbClr val="FEFEBE"/>
+                </a:solidFill>
+              </a:rPr>
+              <a:t> Tang list</a:t>
+            </a:r>
+          </a:p>
+          <a:p>
+            <a:pPr marL="0" indent="0">
+              <a:buNone/>
+            </a:pPr>
+            <a:r>
+              <a:rPr lang="en-US" sz="1400" dirty="0">
+                <a:solidFill>
+                  <a:srgbClr val="C00000"/>
+                </a:solidFill>
+              </a:rPr>
+              <a:t>*</a:t>
+            </a:r>
+            <a:r>
+              <a:rPr lang="en-US" sz="1400" dirty="0">
+                <a:solidFill>
+                  <a:srgbClr val="FEFEBE"/>
+                </a:solidFill>
+              </a:rPr>
+              <a:t>Different Telco template</a:t>
+            </a:r>
+          </a:p>
+          <a:p>
+            <a:pPr marL="0" indent="0">
+              <a:buNone/>
+            </a:pPr>
+            <a:r>
+              <a:rPr lang="en-US" sz="1400" b="1" dirty="0"/>
+              <a:t>[Confirm]</a:t>
+            </a:r>
           </a:p>
         </p:txBody>
       </p:sp>
+      <p:sp>
+        <p:nvSpPr>
+          <p:cNvPr id="16" name="Rectangle 15">
+            <a:extLst>
+              <a:ext uri="{FF2B5EF4-FFF2-40B4-BE49-F238E27FC236}">
+                <a16:creationId xmlns:a16="http://schemas.microsoft.com/office/drawing/2014/main" id="{272061C0-50C8-4B56-325F-E90F9677759B}"/>
+              </a:ext>
+            </a:extLst>
+          </p:cNvPr>
+          <p:cNvSpPr/>
+          <p:nvPr/>
+        </p:nvSpPr>
+        <p:spPr>
+          <a:xfrm>
+            <a:off x="6928834" y="1290510"/>
+            <a:ext cx="1817802" cy="1568450"/>
+          </a:xfrm>
+          <a:prstGeom prst="rect">
+            <a:avLst/>
+          </a:prstGeom>
+          <a:solidFill>
+            <a:schemeClr val="tx2">
+              <a:lumMod val="75000"/>
+            </a:schemeClr>
+          </a:solidFill>
+        </p:spPr>
+        <p:style>
+          <a:lnRef idx="2">
+            <a:schemeClr val="accent1">
+              <a:shade val="15000"/>
+            </a:schemeClr>
+          </a:lnRef>
+          <a:fillRef idx="1">
+            <a:schemeClr val="accent1"/>
+          </a:fillRef>
+          <a:effectRef idx="0">
+            <a:schemeClr val="accent1"/>
+          </a:effectRef>
+          <a:fontRef idx="minor">
+            <a:schemeClr val="lt1"/>
+          </a:fontRef>
+        </p:style>
+        <p:txBody>
+          <a:bodyPr rtlCol="0" anchor="ctr"/>
+          <a:lstStyle/>
+          <a:p>
+            <a:pPr algn="ctr"/>
+            <a:r>
+              <a:rPr lang="en-US" sz="1400" b="1" u="sng" dirty="0"/>
+              <a:t>Normal Routine List</a:t>
+            </a:r>
+          </a:p>
+          <a:p>
+            <a:pPr algn="ctr"/>
+            <a:r>
+              <a:rPr lang="en-US" sz="1400" dirty="0"/>
+              <a:t>*TOI </a:t>
+            </a:r>
+            <a:r>
+              <a:rPr lang="en-US" sz="1400" dirty="0" err="1"/>
+              <a:t>RequestID</a:t>
+            </a:r>
+            <a:r>
+              <a:rPr lang="en-US" sz="1400" dirty="0"/>
+              <a:t> Period Status</a:t>
+            </a:r>
+          </a:p>
+          <a:p>
+            <a:pPr algn="ctr"/>
+            <a:endParaRPr lang="en-US" sz="1400" b="1" u="sng" dirty="0"/>
+          </a:p>
+        </p:txBody>
+      </p:sp>
+      <p:cxnSp>
+        <p:nvCxnSpPr>
+          <p:cNvPr id="19" name="Connector: Elbow 18">
+            <a:extLst>
+              <a:ext uri="{FF2B5EF4-FFF2-40B4-BE49-F238E27FC236}">
+                <a16:creationId xmlns:a16="http://schemas.microsoft.com/office/drawing/2014/main" id="{7367E991-10A6-FECE-BFA5-F6E304F94EFA}"/>
+              </a:ext>
+            </a:extLst>
+          </p:cNvPr>
+          <p:cNvCxnSpPr>
+            <a:cxnSpLocks/>
+            <a:stCxn id="14" idx="1"/>
+            <a:endCxn id="16" idx="3"/>
+          </p:cNvCxnSpPr>
+          <p:nvPr/>
+        </p:nvCxnSpPr>
+        <p:spPr>
+          <a:xfrm rot="10800000">
+            <a:off x="8746636" y="2074735"/>
+            <a:ext cx="817000" cy="675880"/>
+          </a:xfrm>
+          <a:prstGeom prst="bentConnector3">
+            <a:avLst/>
+          </a:prstGeom>
+          <a:ln>
+            <a:tailEnd type="triangle"/>
+          </a:ln>
+        </p:spPr>
+        <p:style>
+          <a:lnRef idx="1">
+            <a:schemeClr val="accent1"/>
+          </a:lnRef>
+          <a:fillRef idx="0">
+            <a:schemeClr val="accent1"/>
+          </a:fillRef>
+          <a:effectRef idx="0">
+            <a:schemeClr val="accent1"/>
+          </a:effectRef>
+          <a:fontRef idx="minor">
+            <a:schemeClr val="tx1"/>
+          </a:fontRef>
+        </p:style>
+      </p:cxnSp>
+      <p:sp>
+        <p:nvSpPr>
+          <p:cNvPr id="20" name="TextBox 19">
+            <a:extLst>
+              <a:ext uri="{FF2B5EF4-FFF2-40B4-BE49-F238E27FC236}">
+                <a16:creationId xmlns:a16="http://schemas.microsoft.com/office/drawing/2014/main" id="{EE2E3787-5642-D06A-77CB-87B2E044D113}"/>
+              </a:ext>
+            </a:extLst>
+          </p:cNvPr>
+          <p:cNvSpPr txBox="1"/>
+          <p:nvPr/>
+        </p:nvSpPr>
+        <p:spPr>
+          <a:xfrm rot="16200000">
+            <a:off x="8561269" y="2274175"/>
+            <a:ext cx="958850" cy="276999"/>
+          </a:xfrm>
+          <a:prstGeom prst="rect">
+            <a:avLst/>
+          </a:prstGeom>
+          <a:noFill/>
+        </p:spPr>
+        <p:txBody>
+          <a:bodyPr wrap="square" rtlCol="0">
+            <a:spAutoFit/>
+          </a:bodyPr>
+          <a:lstStyle/>
+          <a:p>
+            <a:r>
+              <a:rPr lang="en-US" sz="1200" dirty="0"/>
+              <a:t>Generate</a:t>
+            </a:r>
+          </a:p>
+        </p:txBody>
+      </p:sp>
+      <p:cxnSp>
+        <p:nvCxnSpPr>
+          <p:cNvPr id="22" name="Connector: Elbow 21">
+            <a:extLst>
+              <a:ext uri="{FF2B5EF4-FFF2-40B4-BE49-F238E27FC236}">
+                <a16:creationId xmlns:a16="http://schemas.microsoft.com/office/drawing/2014/main" id="{3605F4F0-3D5B-8E24-B8A5-7313646D5B6F}"/>
+              </a:ext>
+            </a:extLst>
+          </p:cNvPr>
+          <p:cNvCxnSpPr>
+            <a:cxnSpLocks/>
+            <a:endCxn id="16" idx="2"/>
+          </p:cNvCxnSpPr>
+          <p:nvPr/>
+        </p:nvCxnSpPr>
+        <p:spPr>
+          <a:xfrm flipV="1">
+            <a:off x="3611451" y="2858960"/>
+            <a:ext cx="4226284" cy="839593"/>
+          </a:xfrm>
+          <a:prstGeom prst="bentConnector2">
+            <a:avLst/>
+          </a:prstGeom>
+          <a:ln>
+            <a:tailEnd type="triangle"/>
+          </a:ln>
+        </p:spPr>
+        <p:style>
+          <a:lnRef idx="1">
+            <a:schemeClr val="accent1"/>
+          </a:lnRef>
+          <a:fillRef idx="0">
+            <a:schemeClr val="accent1"/>
+          </a:fillRef>
+          <a:effectRef idx="0">
+            <a:schemeClr val="accent1"/>
+          </a:effectRef>
+          <a:fontRef idx="minor">
+            <a:schemeClr val="tx1"/>
+          </a:fontRef>
+        </p:style>
+      </p:cxnSp>
+      <p:sp>
+        <p:nvSpPr>
+          <p:cNvPr id="23" name="TextBox 22">
+            <a:extLst>
+              <a:ext uri="{FF2B5EF4-FFF2-40B4-BE49-F238E27FC236}">
+                <a16:creationId xmlns:a16="http://schemas.microsoft.com/office/drawing/2014/main" id="{C4C3C564-7BF4-9C8B-1712-2EB6E7DE46B6}"/>
+              </a:ext>
+            </a:extLst>
+          </p:cNvPr>
+          <p:cNvSpPr txBox="1"/>
+          <p:nvPr/>
+        </p:nvSpPr>
+        <p:spPr>
+          <a:xfrm>
+            <a:off x="5866328" y="3652700"/>
+            <a:ext cx="1529106" cy="276999"/>
+          </a:xfrm>
+          <a:prstGeom prst="rect">
+            <a:avLst/>
+          </a:prstGeom>
+          <a:noFill/>
+        </p:spPr>
+        <p:txBody>
+          <a:bodyPr wrap="square" rtlCol="0">
+            <a:spAutoFit/>
+          </a:bodyPr>
+          <a:lstStyle/>
+          <a:p>
+            <a:r>
+              <a:rPr lang="en-US" sz="1200" dirty="0"/>
+              <a:t>Normal to Urgent</a:t>
+            </a:r>
+          </a:p>
+        </p:txBody>
+      </p:sp>
+      <p:sp>
+        <p:nvSpPr>
+          <p:cNvPr id="29" name="Rectangle 28">
+            <a:extLst>
+              <a:ext uri="{FF2B5EF4-FFF2-40B4-BE49-F238E27FC236}">
+                <a16:creationId xmlns:a16="http://schemas.microsoft.com/office/drawing/2014/main" id="{54807669-C97F-791F-5B5E-95D86A7A42EE}"/>
+              </a:ext>
+            </a:extLst>
+          </p:cNvPr>
+          <p:cNvSpPr/>
+          <p:nvPr/>
+        </p:nvSpPr>
+        <p:spPr>
+          <a:xfrm>
+            <a:off x="9623156" y="4343004"/>
+            <a:ext cx="2355850" cy="1924787"/>
+          </a:xfrm>
+          <a:prstGeom prst="rect">
+            <a:avLst/>
+          </a:prstGeom>
+        </p:spPr>
+        <p:style>
+          <a:lnRef idx="2">
+            <a:schemeClr val="accent1">
+              <a:shade val="15000"/>
+            </a:schemeClr>
+          </a:lnRef>
+          <a:fillRef idx="1">
+            <a:schemeClr val="accent1"/>
+          </a:fillRef>
+          <a:effectRef idx="0">
+            <a:schemeClr val="accent1"/>
+          </a:effectRef>
+          <a:fontRef idx="minor">
+            <a:schemeClr val="lt1"/>
+          </a:fontRef>
+        </p:style>
+        <p:txBody>
+          <a:bodyPr rtlCol="0" anchor="ctr"/>
+          <a:lstStyle/>
+          <a:p>
+            <a:endParaRPr lang="en-US" sz="1600" u="sng" dirty="0"/>
+          </a:p>
+          <a:p>
+            <a:r>
+              <a:rPr lang="en-US" sz="1600" u="sng" dirty="0"/>
+              <a:t>CDR Return Zip File List</a:t>
+            </a:r>
+          </a:p>
+          <a:p>
+            <a:r>
+              <a:rPr lang="en-US" sz="1600" u="sng" dirty="0"/>
+              <a:t>[New][List]</a:t>
+            </a:r>
+          </a:p>
+          <a:p>
+            <a:r>
+              <a:rPr lang="en-US" sz="1600" dirty="0"/>
+              <a:t>Prompt Password</a:t>
+            </a:r>
+          </a:p>
+          <a:p>
+            <a:r>
+              <a:rPr lang="en-US" sz="1600" dirty="0"/>
+              <a:t>Processing in background</a:t>
+            </a:r>
+            <a:br>
+              <a:rPr lang="en-US" sz="1600" dirty="0"/>
+            </a:br>
+            <a:br>
+              <a:rPr lang="en-US" sz="1600" dirty="0"/>
+            </a:br>
+            <a:r>
+              <a:rPr lang="en-US" sz="1600" dirty="0"/>
+              <a:t>[Process] [Reupload]</a:t>
+            </a:r>
+          </a:p>
+        </p:txBody>
+      </p:sp>
+      <p:sp>
+        <p:nvSpPr>
+          <p:cNvPr id="30" name="Rectangle 29">
+            <a:extLst>
+              <a:ext uri="{FF2B5EF4-FFF2-40B4-BE49-F238E27FC236}">
+                <a16:creationId xmlns:a16="http://schemas.microsoft.com/office/drawing/2014/main" id="{4C091782-6021-F458-4F1D-040068844734}"/>
+              </a:ext>
+            </a:extLst>
+          </p:cNvPr>
+          <p:cNvSpPr/>
+          <p:nvPr/>
+        </p:nvSpPr>
+        <p:spPr>
+          <a:xfrm>
+            <a:off x="5110093" y="5289549"/>
+            <a:ext cx="2160031" cy="1304434"/>
+          </a:xfrm>
+          <a:prstGeom prst="rect">
+            <a:avLst/>
+          </a:prstGeom>
+          <a:solidFill>
+            <a:schemeClr val="tx2">
+              <a:lumMod val="75000"/>
+            </a:schemeClr>
+          </a:solidFill>
+        </p:spPr>
+        <p:style>
+          <a:lnRef idx="2">
+            <a:schemeClr val="accent5">
+              <a:shade val="15000"/>
+            </a:schemeClr>
+          </a:lnRef>
+          <a:fillRef idx="1">
+            <a:schemeClr val="accent5"/>
+          </a:fillRef>
+          <a:effectRef idx="0">
+            <a:schemeClr val="accent5"/>
+          </a:effectRef>
+          <a:fontRef idx="minor">
+            <a:schemeClr val="lt1"/>
+          </a:fontRef>
+        </p:style>
+        <p:txBody>
+          <a:bodyPr rtlCol="0" anchor="ctr"/>
+          <a:lstStyle/>
+          <a:p>
+            <a:pPr algn="ctr"/>
+            <a:r>
+              <a:rPr lang="en-US" sz="1400" b="1" u="sng" dirty="0"/>
+              <a:t>Reports</a:t>
+            </a:r>
+          </a:p>
+          <a:p>
+            <a:pPr algn="ctr"/>
+            <a:r>
+              <a:rPr lang="en-US" sz="1400" dirty="0"/>
+              <a:t>Extra Fields</a:t>
+            </a:r>
+          </a:p>
+          <a:p>
+            <a:pPr algn="ctr"/>
+            <a:r>
+              <a:rPr lang="en-US" sz="1400" dirty="0"/>
+              <a:t>Status: Errors</a:t>
+            </a:r>
+          </a:p>
+          <a:p>
+            <a:pPr algn="ctr"/>
+            <a:r>
+              <a:rPr lang="en-US" sz="1400" dirty="0"/>
+              <a:t>Remarks</a:t>
+            </a:r>
+          </a:p>
+          <a:p>
+            <a:pPr algn="ctr"/>
+            <a:endParaRPr lang="en-US" sz="1400" dirty="0"/>
+          </a:p>
+        </p:txBody>
+      </p:sp>
+      <p:cxnSp>
+        <p:nvCxnSpPr>
+          <p:cNvPr id="32" name="Straight Arrow Connector 31">
+            <a:extLst>
+              <a:ext uri="{FF2B5EF4-FFF2-40B4-BE49-F238E27FC236}">
+                <a16:creationId xmlns:a16="http://schemas.microsoft.com/office/drawing/2014/main" id="{8F68D401-81C2-27B1-6528-96253A927BA6}"/>
+              </a:ext>
+            </a:extLst>
+          </p:cNvPr>
+          <p:cNvCxnSpPr>
+            <a:cxnSpLocks/>
+            <a:endCxn id="30" idx="3"/>
+          </p:cNvCxnSpPr>
+          <p:nvPr/>
+        </p:nvCxnSpPr>
+        <p:spPr>
+          <a:xfrm flipH="1">
+            <a:off x="7270124" y="5941766"/>
+            <a:ext cx="2353032" cy="0"/>
+          </a:xfrm>
+          <a:prstGeom prst="straightConnector1">
+            <a:avLst/>
+          </a:prstGeom>
+          <a:ln>
+            <a:tailEnd type="triangle"/>
+          </a:ln>
+        </p:spPr>
+        <p:style>
+          <a:lnRef idx="1">
+            <a:schemeClr val="accent2"/>
+          </a:lnRef>
+          <a:fillRef idx="0">
+            <a:schemeClr val="accent2"/>
+          </a:fillRef>
+          <a:effectRef idx="0">
+            <a:schemeClr val="accent2"/>
+          </a:effectRef>
+          <a:fontRef idx="minor">
+            <a:schemeClr val="tx1"/>
+          </a:fontRef>
+        </p:style>
+      </p:cxnSp>
+      <p:sp>
+        <p:nvSpPr>
+          <p:cNvPr id="37" name="TextBox 36">
+            <a:extLst>
+              <a:ext uri="{FF2B5EF4-FFF2-40B4-BE49-F238E27FC236}">
+                <a16:creationId xmlns:a16="http://schemas.microsoft.com/office/drawing/2014/main" id="{F7E1868D-DC99-587B-8E71-D74E651EE19C}"/>
+              </a:ext>
+            </a:extLst>
+          </p:cNvPr>
+          <p:cNvSpPr txBox="1"/>
+          <p:nvPr/>
+        </p:nvSpPr>
+        <p:spPr>
+          <a:xfrm>
+            <a:off x="8081844" y="5466396"/>
+            <a:ext cx="958850" cy="276999"/>
+          </a:xfrm>
+          <a:prstGeom prst="rect">
+            <a:avLst/>
+          </a:prstGeom>
+          <a:noFill/>
+        </p:spPr>
+        <p:txBody>
+          <a:bodyPr wrap="square" rtlCol="0">
+            <a:spAutoFit/>
+          </a:bodyPr>
+          <a:lstStyle/>
+          <a:p>
+            <a:r>
+              <a:rPr lang="en-US" sz="1200" dirty="0"/>
+              <a:t>Generate</a:t>
+            </a:r>
+          </a:p>
+        </p:txBody>
+      </p:sp>
+      <p:cxnSp>
+        <p:nvCxnSpPr>
+          <p:cNvPr id="39" name="Connector: Elbow 38">
+            <a:extLst>
+              <a:ext uri="{FF2B5EF4-FFF2-40B4-BE49-F238E27FC236}">
+                <a16:creationId xmlns:a16="http://schemas.microsoft.com/office/drawing/2014/main" id="{C5098F8F-3910-4595-6656-FABA5E1465A7}"/>
+              </a:ext>
+            </a:extLst>
+          </p:cNvPr>
+          <p:cNvCxnSpPr>
+            <a:cxnSpLocks/>
+            <a:stCxn id="29" idx="1"/>
+          </p:cNvCxnSpPr>
+          <p:nvPr/>
+        </p:nvCxnSpPr>
+        <p:spPr>
+          <a:xfrm flipH="1" flipV="1">
+            <a:off x="8222178" y="2871845"/>
+            <a:ext cx="1400978" cy="2433553"/>
+          </a:xfrm>
+          <a:prstGeom prst="straightConnector1">
+            <a:avLst/>
+          </a:prstGeom>
+          <a:ln>
+            <a:tailEnd type="triangle"/>
+          </a:ln>
+        </p:spPr>
+        <p:style>
+          <a:lnRef idx="1">
+            <a:schemeClr val="accent2"/>
+          </a:lnRef>
+          <a:fillRef idx="0">
+            <a:schemeClr val="accent2"/>
+          </a:fillRef>
+          <a:effectRef idx="0">
+            <a:schemeClr val="accent2"/>
+          </a:effectRef>
+          <a:fontRef idx="minor">
+            <a:schemeClr val="tx1"/>
+          </a:fontRef>
+        </p:style>
+      </p:cxnSp>
+      <p:sp>
+        <p:nvSpPr>
+          <p:cNvPr id="40" name="TextBox 39">
+            <a:extLst>
+              <a:ext uri="{FF2B5EF4-FFF2-40B4-BE49-F238E27FC236}">
+                <a16:creationId xmlns:a16="http://schemas.microsoft.com/office/drawing/2014/main" id="{280E1F10-7840-CB59-0CAF-04EEB06D7D52}"/>
+              </a:ext>
+            </a:extLst>
+          </p:cNvPr>
+          <p:cNvSpPr txBox="1"/>
+          <p:nvPr/>
+        </p:nvSpPr>
+        <p:spPr>
+          <a:xfrm>
+            <a:off x="8589345" y="4460550"/>
+            <a:ext cx="657686" cy="276999"/>
+          </a:xfrm>
+          <a:prstGeom prst="rect">
+            <a:avLst/>
+          </a:prstGeom>
+          <a:noFill/>
+        </p:spPr>
+        <p:txBody>
+          <a:bodyPr wrap="square" rtlCol="0">
+            <a:spAutoFit/>
+          </a:bodyPr>
+          <a:lstStyle/>
+          <a:p>
+            <a:r>
+              <a:rPr lang="en-US" sz="1200" dirty="0"/>
+              <a:t>Update</a:t>
+            </a:r>
+          </a:p>
+        </p:txBody>
+      </p:sp>
+      <p:cxnSp>
+        <p:nvCxnSpPr>
+          <p:cNvPr id="42" name="Connector: Elbow 41">
+            <a:extLst>
+              <a:ext uri="{FF2B5EF4-FFF2-40B4-BE49-F238E27FC236}">
+                <a16:creationId xmlns:a16="http://schemas.microsoft.com/office/drawing/2014/main" id="{0F5841F5-C7DE-A04E-00BB-2ECEFB3047CB}"/>
+              </a:ext>
+            </a:extLst>
+          </p:cNvPr>
+          <p:cNvCxnSpPr>
+            <a:cxnSpLocks/>
+            <a:stCxn id="29" idx="1"/>
+            <a:endCxn id="9" idx="2"/>
+          </p:cNvCxnSpPr>
+          <p:nvPr/>
+        </p:nvCxnSpPr>
+        <p:spPr>
+          <a:xfrm flipH="1" flipV="1">
+            <a:off x="5703710" y="2858960"/>
+            <a:ext cx="3919446" cy="2446438"/>
+          </a:xfrm>
+          <a:prstGeom prst="straightConnector1">
+            <a:avLst/>
+          </a:prstGeom>
+          <a:ln>
+            <a:tailEnd type="triangle"/>
+          </a:ln>
+        </p:spPr>
+        <p:style>
+          <a:lnRef idx="1">
+            <a:schemeClr val="accent2"/>
+          </a:lnRef>
+          <a:fillRef idx="0">
+            <a:schemeClr val="accent2"/>
+          </a:fillRef>
+          <a:effectRef idx="0">
+            <a:schemeClr val="accent2"/>
+          </a:effectRef>
+          <a:fontRef idx="minor">
+            <a:schemeClr val="tx1"/>
+          </a:fontRef>
+        </p:style>
+      </p:cxnSp>
+      <p:sp>
+        <p:nvSpPr>
+          <p:cNvPr id="69" name="Rectangle 68">
+            <a:extLst>
+              <a:ext uri="{FF2B5EF4-FFF2-40B4-BE49-F238E27FC236}">
+                <a16:creationId xmlns:a16="http://schemas.microsoft.com/office/drawing/2014/main" id="{7C3F2AA3-4936-0EEB-D583-21BABCBB8D82}"/>
+              </a:ext>
+            </a:extLst>
+          </p:cNvPr>
+          <p:cNvSpPr/>
+          <p:nvPr/>
+        </p:nvSpPr>
+        <p:spPr>
+          <a:xfrm>
+            <a:off x="1485900" y="5446392"/>
+            <a:ext cx="2420901" cy="1026493"/>
+          </a:xfrm>
+          <a:prstGeom prst="rect">
+            <a:avLst/>
+          </a:prstGeom>
+        </p:spPr>
+        <p:style>
+          <a:lnRef idx="2">
+            <a:schemeClr val="accent1">
+              <a:shade val="15000"/>
+            </a:schemeClr>
+          </a:lnRef>
+          <a:fillRef idx="1">
+            <a:schemeClr val="accent1"/>
+          </a:fillRef>
+          <a:effectRef idx="0">
+            <a:schemeClr val="accent1"/>
+          </a:effectRef>
+          <a:fontRef idx="minor">
+            <a:schemeClr val="lt1"/>
+          </a:fontRef>
+        </p:style>
+        <p:txBody>
+          <a:bodyPr rtlCol="0" anchor="ctr"/>
+          <a:lstStyle/>
+          <a:p>
+            <a:pPr algn="ctr"/>
+            <a:r>
+              <a:rPr lang="en-US" sz="1400" b="1" u="sng" dirty="0"/>
+              <a:t>Edit Template</a:t>
+            </a:r>
+          </a:p>
+          <a:p>
+            <a:pPr algn="ctr"/>
+            <a:r>
+              <a:rPr lang="en-US" sz="1400" b="1" u="sng" dirty="0"/>
+              <a:t>[RL Template][Base Tables]</a:t>
+            </a:r>
+          </a:p>
+        </p:txBody>
+      </p:sp>
+      <p:cxnSp>
+        <p:nvCxnSpPr>
+          <p:cNvPr id="71" name="Straight Arrow Connector 70">
+            <a:extLst>
+              <a:ext uri="{FF2B5EF4-FFF2-40B4-BE49-F238E27FC236}">
+                <a16:creationId xmlns:a16="http://schemas.microsoft.com/office/drawing/2014/main" id="{D8EEC486-B2A2-36EC-6BF6-9899FBD43EDF}"/>
+              </a:ext>
+            </a:extLst>
+          </p:cNvPr>
+          <p:cNvCxnSpPr>
+            <a:cxnSpLocks/>
+            <a:stCxn id="30" idx="1"/>
+            <a:endCxn id="69" idx="3"/>
+          </p:cNvCxnSpPr>
+          <p:nvPr/>
+        </p:nvCxnSpPr>
+        <p:spPr>
+          <a:xfrm flipH="1">
+            <a:off x="3906801" y="5941766"/>
+            <a:ext cx="1203292" cy="17873"/>
+          </a:xfrm>
+          <a:prstGeom prst="straightConnector1">
+            <a:avLst/>
+          </a:prstGeom>
+          <a:ln>
+            <a:tailEnd type="triangle"/>
+          </a:ln>
+        </p:spPr>
+        <p:style>
+          <a:lnRef idx="1">
+            <a:schemeClr val="accent2"/>
+          </a:lnRef>
+          <a:fillRef idx="0">
+            <a:schemeClr val="accent2"/>
+          </a:fillRef>
+          <a:effectRef idx="0">
+            <a:schemeClr val="accent2"/>
+          </a:effectRef>
+          <a:fontRef idx="minor">
+            <a:schemeClr val="tx1"/>
+          </a:fontRef>
+        </p:style>
+      </p:cxnSp>
+      <p:sp>
+        <p:nvSpPr>
+          <p:cNvPr id="73" name="TextBox 72">
+            <a:extLst>
+              <a:ext uri="{FF2B5EF4-FFF2-40B4-BE49-F238E27FC236}">
+                <a16:creationId xmlns:a16="http://schemas.microsoft.com/office/drawing/2014/main" id="{6B52BF81-9678-0A00-7547-1500B51AC3CA}"/>
+              </a:ext>
+            </a:extLst>
+          </p:cNvPr>
+          <p:cNvSpPr txBox="1"/>
+          <p:nvPr/>
+        </p:nvSpPr>
+        <p:spPr>
+          <a:xfrm>
+            <a:off x="2546632" y="1041659"/>
+            <a:ext cx="1064819" cy="276999"/>
+          </a:xfrm>
+          <a:prstGeom prst="rect">
+            <a:avLst/>
+          </a:prstGeom>
+          <a:noFill/>
+        </p:spPr>
+        <p:txBody>
+          <a:bodyPr wrap="square" rtlCol="0">
+            <a:spAutoFit/>
+          </a:bodyPr>
+          <a:lstStyle/>
+          <a:p>
+            <a:r>
+              <a:rPr lang="en-US" sz="1200" dirty="0"/>
+              <a:t>Autosave 10s</a:t>
+            </a:r>
+          </a:p>
+        </p:txBody>
+      </p:sp>
+      <p:sp>
+        <p:nvSpPr>
+          <p:cNvPr id="74" name="Rectangle 73">
+            <a:extLst>
+              <a:ext uri="{FF2B5EF4-FFF2-40B4-BE49-F238E27FC236}">
+                <a16:creationId xmlns:a16="http://schemas.microsoft.com/office/drawing/2014/main" id="{AB18A099-7AB5-7B03-DE3D-2DB15FB3AD99}"/>
+              </a:ext>
+            </a:extLst>
+          </p:cNvPr>
+          <p:cNvSpPr/>
+          <p:nvPr/>
+        </p:nvSpPr>
+        <p:spPr>
+          <a:xfrm>
+            <a:off x="2192301" y="4212205"/>
+            <a:ext cx="1714500" cy="1026493"/>
+          </a:xfrm>
+          <a:prstGeom prst="rect">
+            <a:avLst/>
+          </a:prstGeom>
+        </p:spPr>
+        <p:style>
+          <a:lnRef idx="2">
+            <a:schemeClr val="accent1">
+              <a:shade val="15000"/>
+            </a:schemeClr>
+          </a:lnRef>
+          <a:fillRef idx="1">
+            <a:schemeClr val="accent1"/>
+          </a:fillRef>
+          <a:effectRef idx="0">
+            <a:schemeClr val="accent1"/>
+          </a:effectRef>
+          <a:fontRef idx="minor">
+            <a:schemeClr val="lt1"/>
+          </a:fontRef>
+        </p:style>
+        <p:txBody>
+          <a:bodyPr rtlCol="0" anchor="ctr"/>
+          <a:lstStyle/>
+          <a:p>
+            <a:pPr algn="ctr"/>
+            <a:r>
+              <a:rPr lang="en-US" sz="1400" b="1" u="sng" dirty="0"/>
+              <a:t>Audit Logs</a:t>
+            </a:r>
+          </a:p>
+          <a:p>
+            <a:pPr algn="ctr"/>
+            <a:r>
+              <a:rPr lang="en-US" sz="1400" dirty="0"/>
+              <a:t>Date action </a:t>
+            </a:r>
+            <a:r>
+              <a:rPr lang="en-US" sz="1400" dirty="0" err="1"/>
+              <a:t>userid</a:t>
+            </a:r>
+            <a:r>
+              <a:rPr lang="en-US" sz="1400" dirty="0"/>
+              <a:t> details category</a:t>
+            </a:r>
+          </a:p>
+        </p:txBody>
+      </p:sp>
+      <p:sp>
+        <p:nvSpPr>
+          <p:cNvPr id="6" name="Rectangle 5">
+            <a:extLst>
+              <a:ext uri="{FF2B5EF4-FFF2-40B4-BE49-F238E27FC236}">
+                <a16:creationId xmlns:a16="http://schemas.microsoft.com/office/drawing/2014/main" id="{708FA150-AE34-E1A8-7E40-9C554EF55C0C}"/>
+              </a:ext>
+            </a:extLst>
+          </p:cNvPr>
+          <p:cNvSpPr/>
+          <p:nvPr/>
+        </p:nvSpPr>
+        <p:spPr>
+          <a:xfrm>
+            <a:off x="5365992" y="4108302"/>
+            <a:ext cx="1781735" cy="839593"/>
+          </a:xfrm>
+          <a:prstGeom prst="rect">
+            <a:avLst/>
+          </a:prstGeom>
+        </p:spPr>
+        <p:style>
+          <a:lnRef idx="2">
+            <a:schemeClr val="accent1">
+              <a:shade val="15000"/>
+            </a:schemeClr>
+          </a:lnRef>
+          <a:fillRef idx="1">
+            <a:schemeClr val="accent1"/>
+          </a:fillRef>
+          <a:effectRef idx="0">
+            <a:schemeClr val="accent1"/>
+          </a:effectRef>
+          <a:fontRef idx="minor">
+            <a:schemeClr val="lt1"/>
+          </a:fontRef>
+        </p:style>
+        <p:txBody>
+          <a:bodyPr rtlCol="0" anchor="ctr"/>
+          <a:lstStyle/>
+          <a:p>
+            <a:pPr algn="ctr"/>
+            <a:r>
+              <a:rPr lang="en-US" sz="1400" b="1" u="sng" dirty="0"/>
+              <a:t>Password Vault</a:t>
+            </a:r>
+          </a:p>
+          <a:p>
+            <a:pPr algn="ctr"/>
+            <a:r>
+              <a:rPr lang="en-US" sz="1400" dirty="0"/>
+              <a:t>Prefix – month - year</a:t>
+            </a:r>
+          </a:p>
+        </p:txBody>
+      </p:sp>
+      <p:cxnSp>
+        <p:nvCxnSpPr>
+          <p:cNvPr id="10" name="Straight Arrow Connector 9">
+            <a:extLst>
+              <a:ext uri="{FF2B5EF4-FFF2-40B4-BE49-F238E27FC236}">
+                <a16:creationId xmlns:a16="http://schemas.microsoft.com/office/drawing/2014/main" id="{683D8E5E-A1B5-472C-B470-8FA7F33D4899}"/>
+              </a:ext>
+            </a:extLst>
+          </p:cNvPr>
+          <p:cNvCxnSpPr>
+            <a:stCxn id="6" idx="3"/>
+          </p:cNvCxnSpPr>
+          <p:nvPr/>
+        </p:nvCxnSpPr>
+        <p:spPr>
+          <a:xfrm flipV="1">
+            <a:off x="7147727" y="3278756"/>
+            <a:ext cx="2352620" cy="1249343"/>
+          </a:xfrm>
+          <a:prstGeom prst="straightConnector1">
+            <a:avLst/>
+          </a:prstGeom>
+          <a:ln>
+            <a:tailEnd type="triangle"/>
+          </a:ln>
+        </p:spPr>
+        <p:style>
+          <a:lnRef idx="1">
+            <a:schemeClr val="accent6"/>
+          </a:lnRef>
+          <a:fillRef idx="0">
+            <a:schemeClr val="accent6"/>
+          </a:fillRef>
+          <a:effectRef idx="0">
+            <a:schemeClr val="accent6"/>
+          </a:effectRef>
+          <a:fontRef idx="minor">
+            <a:schemeClr val="tx1"/>
+          </a:fontRef>
+        </p:style>
+      </p:cxnSp>
+      <p:cxnSp>
+        <p:nvCxnSpPr>
+          <p:cNvPr id="15" name="Straight Arrow Connector 14">
+            <a:extLst>
+              <a:ext uri="{FF2B5EF4-FFF2-40B4-BE49-F238E27FC236}">
+                <a16:creationId xmlns:a16="http://schemas.microsoft.com/office/drawing/2014/main" id="{8B61F339-A114-BE97-6C8C-58B0FA983558}"/>
+              </a:ext>
+            </a:extLst>
+          </p:cNvPr>
+          <p:cNvCxnSpPr/>
+          <p:nvPr/>
+        </p:nvCxnSpPr>
+        <p:spPr>
+          <a:xfrm>
+            <a:off x="6979024" y="4528098"/>
+            <a:ext cx="2644132" cy="1018814"/>
+          </a:xfrm>
+          <a:prstGeom prst="straightConnector1">
+            <a:avLst/>
+          </a:prstGeom>
+          <a:ln>
+            <a:tailEnd type="triangle"/>
+          </a:ln>
+        </p:spPr>
+        <p:style>
+          <a:lnRef idx="1">
+            <a:schemeClr val="accent6"/>
+          </a:lnRef>
+          <a:fillRef idx="0">
+            <a:schemeClr val="accent6"/>
+          </a:fillRef>
+          <a:effectRef idx="0">
+            <a:schemeClr val="accent6"/>
+          </a:effectRef>
+          <a:fontRef idx="minor">
+            <a:schemeClr val="tx1"/>
+          </a:fontRef>
+        </p:style>
+      </p:cxnSp>
     </p:spTree>
     <p:extLst>
       <p:ext uri="{BB962C8B-B14F-4D97-AF65-F5344CB8AC3E}">
-        <p14:creationId xmlns:p14="http://schemas.microsoft.com/office/powerpoint/2010/main" val="2788471153"/>
+        <p14:creationId xmlns:p14="http://schemas.microsoft.com/office/powerpoint/2010/main" val="3783522105"/>
       </p:ext>
     </p:extLst>
   </p:cSld>
@@ -20298,7 +21719,7 @@
           <p:cNvPr id="2" name="Title 1">
             <a:extLst>
               <a:ext uri="{FF2B5EF4-FFF2-40B4-BE49-F238E27FC236}">
-                <a16:creationId xmlns:a16="http://schemas.microsoft.com/office/drawing/2014/main" id="{DB6000D4-A512-98BE-D863-FFE1CAF1BAFF}"/>
+                <a16:creationId xmlns:a16="http://schemas.microsoft.com/office/drawing/2014/main" id="{C1C80B06-37FE-2F0D-BC25-32C4F02E13AE}"/>
               </a:ext>
             </a:extLst>
           </p:cNvPr>
@@ -20316,7 +21737,7 @@
           <a:p>
             <a:r>
               <a:rPr lang="en-US" dirty="0"/>
-              <a:t>Admin Portal</a:t>
+              <a:t>Designer – Base Table List</a:t>
             </a:r>
           </a:p>
         </p:txBody>
@@ -20326,7 +21747,7 @@
           <p:cNvPr id="3" name="Content Placeholder 2">
             <a:extLst>
               <a:ext uri="{FF2B5EF4-FFF2-40B4-BE49-F238E27FC236}">
-                <a16:creationId xmlns:a16="http://schemas.microsoft.com/office/drawing/2014/main" id="{669D4A36-1462-054A-CDD3-693E03C4EE17}"/>
+                <a16:creationId xmlns:a16="http://schemas.microsoft.com/office/drawing/2014/main" id="{5CE713E2-BEBA-2280-B2D3-856EE21343DC}"/>
               </a:ext>
             </a:extLst>
           </p:cNvPr>
@@ -20344,56 +21765,16 @@
           <a:p>
             <a:r>
               <a:rPr lang="en-US" dirty="0"/>
-              <a:t>CRUD of users</a:t>
+              <a:t>Requestors</a:t>
             </a:r>
           </a:p>
           <a:p>
             <a:r>
               <a:rPr lang="en-US" dirty="0"/>
-              <a:t>CRUD of departments</a:t>
-            </a:r>
-          </a:p>
-          <a:p>
-            <a:r>
-              <a:rPr lang="en-US" dirty="0"/>
-              <a:t>CRUD of realm roles</a:t>
-            </a:r>
-          </a:p>
-          <a:p>
-            <a:r>
-              <a:rPr lang="en-US" dirty="0"/>
-              <a:t>Configuration of Password Policy</a:t>
-            </a:r>
-          </a:p>
-          <a:p>
-            <a:pPr marL="0" indent="0">
-              <a:buNone/>
-            </a:pPr>
-            <a:r>
-              <a:rPr lang="en-US" dirty="0"/>
-              <a:t>- 3 months mandatory change</a:t>
-            </a:r>
-          </a:p>
-          <a:p>
-            <a:pPr>
-              <a:buFontTx/>
-              <a:buChar char="-"/>
-            </a:pPr>
-            <a:r>
-              <a:rPr lang="en-US" dirty="0"/>
-              <a:t>Password characters</a:t>
-            </a:r>
-          </a:p>
-          <a:p>
-            <a:r>
-              <a:rPr lang="en-US" dirty="0"/>
-              <a:t>Archival Settings</a:t>
-            </a:r>
-          </a:p>
-          <a:p>
-            <a:pPr marL="0" indent="0">
-              <a:buNone/>
-            </a:pPr>
+              <a:t>Telcos</a:t>
+            </a:r>
+          </a:p>
+          <a:p>
             <a:endParaRPr lang="en-US" dirty="0"/>
           </a:p>
         </p:txBody>
@@ -20401,7 +21782,7 @@
     </p:spTree>
     <p:extLst>
       <p:ext uri="{BB962C8B-B14F-4D97-AF65-F5344CB8AC3E}">
-        <p14:creationId xmlns:p14="http://schemas.microsoft.com/office/powerpoint/2010/main" val="2673415394"/>
+        <p14:creationId xmlns:p14="http://schemas.microsoft.com/office/powerpoint/2010/main" val="2788471153"/>
       </p:ext>
     </p:extLst>
   </p:cSld>
@@ -20433,7 +21814,7 @@
           <p:cNvPr id="2" name="Title 1">
             <a:extLst>
               <a:ext uri="{FF2B5EF4-FFF2-40B4-BE49-F238E27FC236}">
-                <a16:creationId xmlns:a16="http://schemas.microsoft.com/office/drawing/2014/main" id="{0B89AA24-15D4-0E4C-98F6-9459E7D24940}"/>
+                <a16:creationId xmlns:a16="http://schemas.microsoft.com/office/drawing/2014/main" id="{DB6000D4-A512-98BE-D863-FFE1CAF1BAFF}"/>
               </a:ext>
             </a:extLst>
           </p:cNvPr>
@@ -20451,7 +21832,7 @@
           <a:p>
             <a:r>
               <a:rPr lang="en-US" dirty="0"/>
-              <a:t>Questions</a:t>
+              <a:t>Admin Portal</a:t>
             </a:r>
           </a:p>
         </p:txBody>
@@ -20461,7 +21842,7 @@
           <p:cNvPr id="3" name="Content Placeholder 2">
             <a:extLst>
               <a:ext uri="{FF2B5EF4-FFF2-40B4-BE49-F238E27FC236}">
-                <a16:creationId xmlns:a16="http://schemas.microsoft.com/office/drawing/2014/main" id="{C9D341C2-47E3-1025-6B55-FE851A79B3B4}"/>
+                <a16:creationId xmlns:a16="http://schemas.microsoft.com/office/drawing/2014/main" id="{669D4A36-1462-054A-CDD3-693E03C4EE17}"/>
               </a:ext>
             </a:extLst>
           </p:cNvPr>
@@ -20478,20 +21859,65 @@
           <a:lstStyle/>
           <a:p>
             <a:r>
-              <a:rPr lang="en-US" dirty="0">
-                <a:solidFill>
-                  <a:srgbClr val="FF0000"/>
-                </a:solidFill>
-              </a:rPr>
-              <a:t>Do we need timeout/lock screen for inactivity? No need</a:t>
-            </a:r>
+              <a:rPr lang="en-US" dirty="0"/>
+              <a:t>CRUD of users</a:t>
+            </a:r>
+          </a:p>
+          <a:p>
+            <a:r>
+              <a:rPr lang="en-US" dirty="0"/>
+              <a:t>CRUD of departments</a:t>
+            </a:r>
+          </a:p>
+          <a:p>
+            <a:r>
+              <a:rPr lang="en-US" dirty="0"/>
+              <a:t>CRUD of realm roles</a:t>
+            </a:r>
+          </a:p>
+          <a:p>
+            <a:r>
+              <a:rPr lang="en-US" dirty="0"/>
+              <a:t>Configuration of Password Policy</a:t>
+            </a:r>
+          </a:p>
+          <a:p>
+            <a:pPr marL="0" indent="0">
+              <a:buNone/>
+            </a:pPr>
+            <a:r>
+              <a:rPr lang="en-US" dirty="0"/>
+              <a:t>- 3 months mandatory change</a:t>
+            </a:r>
+          </a:p>
+          <a:p>
+            <a:pPr>
+              <a:buFontTx/>
+              <a:buChar char="-"/>
+            </a:pPr>
+            <a:r>
+              <a:rPr lang="en-US" dirty="0"/>
+              <a:t>Password characters</a:t>
+            </a:r>
+          </a:p>
+          <a:p>
+            <a:r>
+              <a:rPr lang="en-US" dirty="0"/>
+              <a:t>Archival Settings</a:t>
+            </a:r>
+          </a:p>
+          <a:p>
+            <a:pPr marL="0" indent="0">
+              <a:buNone/>
+            </a:pPr>
+            <a:endParaRPr lang="en-US" dirty="0"/>
           </a:p>
         </p:txBody>
       </p:sp>
     </p:spTree>
     <p:extLst>
       <p:ext uri="{BB962C8B-B14F-4D97-AF65-F5344CB8AC3E}">
-        <p14:creationId xmlns:p14="http://schemas.microsoft.com/office/powerpoint/2010/main" val="560850496"/>
+        <p14:creationId xmlns:p14="http://schemas.microsoft.com/office/powerpoint/2010/main" val="2673415394"/>
       </p:ext>
     </p:extLst>
   </p:cSld>
@@ -20506,13 +21932,7 @@
   <p:cSld>
     <p:spTree>
       <p:nvGrpSpPr>
-        <p:cNvPr id="1" name="">
-          <a:extLst>
-            <a:ext uri="{FF2B5EF4-FFF2-40B4-BE49-F238E27FC236}">
-              <a16:creationId xmlns:a16="http://schemas.microsoft.com/office/drawing/2014/main" id="{1E3B2D0F-53B6-8EE2-8A7F-8B128464DE51}"/>
-            </a:ext>
-          </a:extLst>
-        </p:cNvPr>
+        <p:cNvPr id="1" name=""/>
         <p:cNvGrpSpPr/>
         <p:nvPr/>
       </p:nvGrpSpPr>
@@ -20529,7 +21949,7 @@
           <p:cNvPr id="2" name="Title 1">
             <a:extLst>
               <a:ext uri="{FF2B5EF4-FFF2-40B4-BE49-F238E27FC236}">
-                <a16:creationId xmlns:a16="http://schemas.microsoft.com/office/drawing/2014/main" id="{24EECCF3-858D-CDFC-C082-50CF8C40E8B1}"/>
+                <a16:creationId xmlns:a16="http://schemas.microsoft.com/office/drawing/2014/main" id="{0B89AA24-15D4-0E4C-98F6-9459E7D24940}"/>
               </a:ext>
             </a:extLst>
           </p:cNvPr>
@@ -20542,14 +21962,44 @@
         </p:nvSpPr>
         <p:spPr/>
         <p:txBody>
-          <a:bodyPr anchor="ctr">
-            <a:normAutofit/>
-          </a:bodyPr>
+          <a:bodyPr/>
           <a:lstStyle/>
           <a:p>
             <a:r>
-              <a:rPr lang="en-US" sz="6600" dirty="0"/>
-              <a:t>Thank you!</a:t>
+              <a:rPr lang="en-US" dirty="0"/>
+              <a:t>Questions</a:t>
+            </a:r>
+          </a:p>
+        </p:txBody>
+      </p:sp>
+      <p:sp>
+        <p:nvSpPr>
+          <p:cNvPr id="3" name="Content Placeholder 2">
+            <a:extLst>
+              <a:ext uri="{FF2B5EF4-FFF2-40B4-BE49-F238E27FC236}">
+                <a16:creationId xmlns:a16="http://schemas.microsoft.com/office/drawing/2014/main" id="{C9D341C2-47E3-1025-6B55-FE851A79B3B4}"/>
+              </a:ext>
+            </a:extLst>
+          </p:cNvPr>
+          <p:cNvSpPr>
+            <a:spLocks noGrp="1"/>
+          </p:cNvSpPr>
+          <p:nvPr>
+            <p:ph idx="1"/>
+          </p:nvPr>
+        </p:nvSpPr>
+        <p:spPr/>
+        <p:txBody>
+          <a:bodyPr/>
+          <a:lstStyle/>
+          <a:p>
+            <a:r>
+              <a:rPr lang="en-US" dirty="0">
+                <a:solidFill>
+                  <a:srgbClr val="FF0000"/>
+                </a:solidFill>
+              </a:rPr>
+              <a:t>Do we need timeout/lock screen for inactivity? No need</a:t>
             </a:r>
           </a:p>
         </p:txBody>
@@ -20557,14 +22007,13 @@
     </p:spTree>
     <p:extLst>
       <p:ext uri="{BB962C8B-B14F-4D97-AF65-F5344CB8AC3E}">
-        <p14:creationId xmlns:p14="http://schemas.microsoft.com/office/powerpoint/2010/main" val="2753266380"/>
+        <p14:creationId xmlns:p14="http://schemas.microsoft.com/office/powerpoint/2010/main" val="560850496"/>
       </p:ext>
     </p:extLst>
   </p:cSld>
   <p:clrMapOvr>
     <a:masterClrMapping/>
   </p:clrMapOvr>
-  <p:transition spd="med"/>
 </p:sld>
 </file>
 
@@ -20956,6 +22405,73 @@
       </p:par>
     </p:tnLst>
   </p:timing>
+</p:sld>
+</file>
+
+<file path=ppt/slides/slide50.xml><?xml version="1.0" encoding="utf-8"?>
+<p:sld xmlns:a="http://schemas.openxmlformats.org/drawingml/2006/main" xmlns:r="http://schemas.openxmlformats.org/officeDocument/2006/relationships" xmlns:p="http://schemas.openxmlformats.org/presentationml/2006/main">
+  <p:cSld>
+    <p:spTree>
+      <p:nvGrpSpPr>
+        <p:cNvPr id="1" name="">
+          <a:extLst>
+            <a:ext uri="{FF2B5EF4-FFF2-40B4-BE49-F238E27FC236}">
+              <a16:creationId xmlns:a16="http://schemas.microsoft.com/office/drawing/2014/main" id="{1E3B2D0F-53B6-8EE2-8A7F-8B128464DE51}"/>
+            </a:ext>
+          </a:extLst>
+        </p:cNvPr>
+        <p:cNvGrpSpPr/>
+        <p:nvPr/>
+      </p:nvGrpSpPr>
+      <p:grpSpPr>
+        <a:xfrm>
+          <a:off x="0" y="0"/>
+          <a:ext cx="0" cy="0"/>
+          <a:chOff x="0" y="0"/>
+          <a:chExt cx="0" cy="0"/>
+        </a:xfrm>
+      </p:grpSpPr>
+      <p:sp>
+        <p:nvSpPr>
+          <p:cNvPr id="2" name="Title 1">
+            <a:extLst>
+              <a:ext uri="{FF2B5EF4-FFF2-40B4-BE49-F238E27FC236}">
+                <a16:creationId xmlns:a16="http://schemas.microsoft.com/office/drawing/2014/main" id="{24EECCF3-858D-CDFC-C082-50CF8C40E8B1}"/>
+              </a:ext>
+            </a:extLst>
+          </p:cNvPr>
+          <p:cNvSpPr>
+            <a:spLocks noGrp="1"/>
+          </p:cNvSpPr>
+          <p:nvPr>
+            <p:ph type="title"/>
+          </p:nvPr>
+        </p:nvSpPr>
+        <p:spPr/>
+        <p:txBody>
+          <a:bodyPr anchor="ctr">
+            <a:normAutofit/>
+          </a:bodyPr>
+          <a:lstStyle/>
+          <a:p>
+            <a:r>
+              <a:rPr lang="en-US" sz="6600" dirty="0"/>
+              <a:t>Thank you!</a:t>
+            </a:r>
+          </a:p>
+        </p:txBody>
+      </p:sp>
+    </p:spTree>
+    <p:extLst>
+      <p:ext uri="{BB962C8B-B14F-4D97-AF65-F5344CB8AC3E}">
+        <p14:creationId xmlns:p14="http://schemas.microsoft.com/office/powerpoint/2010/main" val="2753266380"/>
+      </p:ext>
+    </p:extLst>
+  </p:cSld>
+  <p:clrMapOvr>
+    <a:masterClrMapping/>
+  </p:clrMapOvr>
+  <p:transition spd="med"/>
 </p:sld>
 </file>
 
@@ -24033,17 +25549,6 @@
 </file>
 
 <file path=customXml/item1.xml><?xml version="1.0" encoding="utf-8"?>
-<p:properties xmlns:p="http://schemas.microsoft.com/office/2006/metadata/properties" xmlns:xsi="http://www.w3.org/2001/XMLSchema-instance" xmlns:pc="http://schemas.microsoft.com/office/infopath/2007/PartnerControls">
-  <documentManagement>
-    <lcf76f155ced4ddcb4097134ff3c332f xmlns="ba48ebb6-d4c7-4d4b-99f2-dc2b5af10089">
-      <Terms xmlns="http://schemas.microsoft.com/office/infopath/2007/PartnerControls"/>
-    </lcf76f155ced4ddcb4097134ff3c332f>
-    <TaxCatchAll xmlns="93758d66-a6d8-4421-9595-b5c9a3552aa8" xsi:nil="true"/>
-  </documentManagement>
-</p:properties>
-</file>
-
-<file path=customXml/item2.xml><?xml version="1.0" encoding="utf-8"?>
 <?mso-contentType ?>
 <FormTemplates xmlns="http://schemas.microsoft.com/sharepoint/v3/contenttype/forms">
   <Display>DocumentLibraryForm</Display>
@@ -24052,7 +25557,7 @@
 </FormTemplates>
 </file>
 
-<file path=customXml/item3.xml><?xml version="1.0" encoding="utf-8"?>
+<file path=customXml/item2.xml><?xml version="1.0" encoding="utf-8"?>
 <ct:contentTypeSchema xmlns:ct="http://schemas.microsoft.com/office/2006/metadata/contentType" xmlns:ma="http://schemas.microsoft.com/office/2006/metadata/properties/metaAttributes" ct:_="" ma:_="" ma:contentTypeName="Document" ma:contentTypeID="0x010100AB5DB68663D6C64BA14957BF28D5FD1D" ma:contentTypeVersion="11" ma:contentTypeDescription="Create a new document." ma:contentTypeScope="" ma:versionID="87c45d4818ad32ae942938d69027b90f">
   <xsd:schema xmlns:xsd="http://www.w3.org/2001/XMLSchema" xmlns:xs="http://www.w3.org/2001/XMLSchema" xmlns:p="http://schemas.microsoft.com/office/2006/metadata/properties" xmlns:ns2="ba48ebb6-d4c7-4d4b-99f2-dc2b5af10089" xmlns:ns3="93758d66-a6d8-4421-9595-b5c9a3552aa8" targetNamespace="http://schemas.microsoft.com/office/2006/metadata/properties" ma:root="true" ma:fieldsID="710b5f17c0485397f71baebdcc2b4a71" ns2:_="" ns3:_="">
     <xsd:import namespace="ba48ebb6-d4c7-4d4b-99f2-dc2b5af10089"/>
@@ -24247,18 +25752,18 @@
 </ct:contentTypeSchema>
 </file>
 
-<file path=customXml/itemProps1.xml><?xml version="1.0" encoding="utf-8"?>
-<ds:datastoreItem xmlns:ds="http://schemas.openxmlformats.org/officeDocument/2006/customXml" ds:itemID="{77AB2A85-C7BC-4870-A7CD-068300EE24EE}">
-  <ds:schemaRefs>
-    <ds:schemaRef ds:uri="93758d66-a6d8-4421-9595-b5c9a3552aa8"/>
-    <ds:schemaRef ds:uri="ba48ebb6-d4c7-4d4b-99f2-dc2b5af10089"/>
-    <ds:schemaRef ds:uri="http://schemas.microsoft.com/office/2006/metadata/properties"/>
-    <ds:schemaRef ds:uri="http://schemas.microsoft.com/office/infopath/2007/PartnerControls"/>
-  </ds:schemaRefs>
-</ds:datastoreItem>
+<file path=customXml/item3.xml><?xml version="1.0" encoding="utf-8"?>
+<p:properties xmlns:p="http://schemas.microsoft.com/office/2006/metadata/properties" xmlns:xsi="http://www.w3.org/2001/XMLSchema-instance" xmlns:pc="http://schemas.microsoft.com/office/infopath/2007/PartnerControls">
+  <documentManagement>
+    <lcf76f155ced4ddcb4097134ff3c332f xmlns="ba48ebb6-d4c7-4d4b-99f2-dc2b5af10089">
+      <Terms xmlns="http://schemas.microsoft.com/office/infopath/2007/PartnerControls"/>
+    </lcf76f155ced4ddcb4097134ff3c332f>
+    <TaxCatchAll xmlns="93758d66-a6d8-4421-9595-b5c9a3552aa8" xsi:nil="true"/>
+  </documentManagement>
+</p:properties>
 </file>
 
-<file path=customXml/itemProps2.xml><?xml version="1.0" encoding="utf-8"?>
+<file path=customXml/itemProps1.xml><?xml version="1.0" encoding="utf-8"?>
 <ds:datastoreItem xmlns:ds="http://schemas.openxmlformats.org/officeDocument/2006/customXml" ds:itemID="{A176BA21-0CA7-4A24-B7F1-E783770B708C}">
   <ds:schemaRefs>
     <ds:schemaRef ds:uri="http://schemas.microsoft.com/sharepoint/v3/contenttype/forms"/>
@@ -24266,7 +25771,7 @@
 </ds:datastoreItem>
 </file>
 
-<file path=customXml/itemProps3.xml><?xml version="1.0" encoding="utf-8"?>
+<file path=customXml/itemProps2.xml><?xml version="1.0" encoding="utf-8"?>
 <ds:datastoreItem xmlns:ds="http://schemas.openxmlformats.org/officeDocument/2006/customXml" ds:itemID="{3FCF86CD-9E45-4126-90B3-AD9A99F69858}">
   <ds:schemaRefs>
     <ds:schemaRef ds:uri="http://schemas.microsoft.com/office/2006/metadata/contentType"/>
@@ -24283,4 +25788,15 @@
     <ds:schemaRef ds:uri="http://schemas.microsoft.com/internal/obd"/>
   </ds:schemaRefs>
 </ds:datastoreItem>
+</file>
+
+<file path=customXml/itemProps3.xml><?xml version="1.0" encoding="utf-8"?>
+<ds:datastoreItem xmlns:ds="http://schemas.openxmlformats.org/officeDocument/2006/customXml" ds:itemID="{77AB2A85-C7BC-4870-A7CD-068300EE24EE}">
+  <ds:schemaRefs>
+    <ds:schemaRef ds:uri="93758d66-a6d8-4421-9595-b5c9a3552aa8"/>
+    <ds:schemaRef ds:uri="ba48ebb6-d4c7-4d4b-99f2-dc2b5af10089"/>
+    <ds:schemaRef ds:uri="http://schemas.microsoft.com/office/2006/metadata/properties"/>
+    <ds:schemaRef ds:uri="http://schemas.microsoft.com/office/infopath/2007/PartnerControls"/>
+  </ds:schemaRefs>
+</ds:datastoreItem>
 </file>